--- a/folien/d3in20minuten.pptx
+++ b/folien/d3in20minuten.pptx
@@ -233,7 +233,7 @@
             <a:fld id="{5D08A985-6460-46CD-8CE3-BBF585271009}" type="datetimeFigureOut">
               <a:rPr lang="de-DE" smtClean="0"/>
               <a:pPr/>
-              <a:t>31.01.17</a:t>
+              <a:t>19.09.17</a:t>
             </a:fld>
             <a:endParaRPr lang="de-DE"/>
           </a:p>
@@ -11775,7 +11775,7 @@
         <p:spPr>
           <a:xfrm>
             <a:off x="3563888" y="1484784"/>
-            <a:ext cx="5109091" cy="400110"/>
+            <a:ext cx="5416868" cy="400110"/>
           </a:xfrm>
           <a:prstGeom prst="rect">
             <a:avLst/>
@@ -11817,8 +11817,8 @@
           </a:lstStyle>
           <a:p>
             <a:r>
-              <a:rPr lang="en-US" sz="2000" smtClean="0"/>
-              <a:t>{name: “FOMA”, x: 12.2, y:889.1}</a:t>
+              <a:rPr lang="en-US" sz="2000" dirty="0" smtClean="0"/>
+              <a:t>{title: “Rogue One”, wg:155081681}</a:t>
             </a:r>
             <a:endParaRPr lang="en-US" sz="2000" dirty="0"/>
           </a:p>
@@ -11833,7 +11833,7 @@
         <p:spPr>
           <a:xfrm>
             <a:off x="3563888" y="2060848"/>
-            <a:ext cx="4955203" cy="400110"/>
+            <a:ext cx="4647426" cy="400110"/>
           </a:xfrm>
           <a:prstGeom prst="rect">
             <a:avLst/>
@@ -11876,7 +11876,7 @@
           <a:p>
             <a:r>
               <a:rPr lang="en-US" sz="2000" dirty="0" smtClean="0"/>
-              <a:t>{name: “AUSW”, x: 112.2, y:9.3}</a:t>
+              <a:t>{title: “Moana”, wg:12762232}</a:t>
             </a:r>
             <a:endParaRPr lang="en-US" sz="2000" dirty="0"/>
           </a:p>
@@ -11891,7 +11891,7 @@
         <p:spPr>
           <a:xfrm>
             <a:off x="3563888" y="2636912"/>
-            <a:ext cx="4647426" cy="400110"/>
+            <a:ext cx="4955203" cy="400110"/>
           </a:xfrm>
           <a:prstGeom prst="rect">
             <a:avLst/>
@@ -11934,19 +11934,15 @@
           <a:p>
             <a:r>
               <a:rPr lang="en-US" sz="2000" dirty="0" smtClean="0"/>
-              <a:t>{name</a:t>
-            </a:r>
-            <a:r>
-              <a:rPr lang="en-US" sz="2000" smtClean="0"/>
-              <a:t>: “BUHA”, </a:t>
+              <a:t>{title: “</a:t>
+            </a:r>
+            <a:r>
+              <a:rPr lang="en-US" sz="2000" dirty="0" err="1" smtClean="0"/>
+              <a:t>LaLaLand</a:t>
             </a:r>
             <a:r>
               <a:rPr lang="en-US" sz="2000" dirty="0" smtClean="0"/>
-              <a:t>x</a:t>
-            </a:r>
-            <a:r>
-              <a:rPr lang="en-US" sz="2000" smtClean="0"/>
-              <a:t>: 43, y:91.7}</a:t>
+              <a:t>”, wg:4102091}</a:t>
             </a:r>
             <a:endParaRPr lang="en-US" sz="2000" dirty="0"/>
           </a:p>
@@ -12167,14 +12163,82 @@
       </p:pic>
       <p:sp>
         <p:nvSpPr>
-          <p:cNvPr id="11" name="TextBox 10"/>
+          <p:cNvPr id="19" name="TextBox 18"/>
           <p:cNvSpPr txBox="1"/>
           <p:nvPr/>
         </p:nvSpPr>
         <p:spPr>
           <a:xfrm>
+            <a:off x="1456576" y="842809"/>
+            <a:ext cx="1637436" cy="369332"/>
+          </a:xfrm>
+          <a:prstGeom prst="rect">
+            <a:avLst/>
+          </a:prstGeom>
+          <a:noFill/>
+        </p:spPr>
+        <p:txBody>
+          <a:bodyPr wrap="none" rtlCol="0">
+            <a:spAutoFit/>
+          </a:bodyPr>
+          <a:lstStyle/>
+          <a:p>
+            <a:r>
+              <a:rPr lang="en-US" dirty="0" smtClean="0"/>
+              <a:t>DOM-</a:t>
+            </a:r>
+            <a:r>
+              <a:rPr lang="en-US" dirty="0" err="1" smtClean="0"/>
+              <a:t>Elemente</a:t>
+            </a:r>
+            <a:endParaRPr lang="en-US" dirty="0"/>
+          </a:p>
+        </p:txBody>
+      </p:sp>
+      <p:sp>
+        <p:nvSpPr>
+          <p:cNvPr id="20" name="TextBox 19"/>
+          <p:cNvSpPr txBox="1"/>
+          <p:nvPr/>
+        </p:nvSpPr>
+        <p:spPr>
+          <a:xfrm>
+            <a:off x="5068883" y="842809"/>
+            <a:ext cx="1912383" cy="369332"/>
+          </a:xfrm>
+          <a:prstGeom prst="rect">
+            <a:avLst/>
+          </a:prstGeom>
+          <a:noFill/>
+        </p:spPr>
+        <p:txBody>
+          <a:bodyPr wrap="none" rtlCol="0">
+            <a:spAutoFit/>
+          </a:bodyPr>
+          <a:lstStyle/>
+          <a:p>
+            <a:r>
+              <a:rPr lang="en-US" dirty="0" smtClean="0"/>
+              <a:t>JavaScript-</a:t>
+            </a:r>
+            <a:r>
+              <a:rPr lang="en-US" dirty="0" err="1" smtClean="0"/>
+              <a:t>Objekte</a:t>
+            </a:r>
+            <a:endParaRPr lang="en-US" dirty="0"/>
+          </a:p>
+        </p:txBody>
+      </p:sp>
+      <p:sp>
+        <p:nvSpPr>
+          <p:cNvPr id="10" name="TextBox 9"/>
+          <p:cNvSpPr txBox="1"/>
+          <p:nvPr/>
+        </p:nvSpPr>
+        <p:spPr>
+          <a:xfrm>
             <a:off x="3563888" y="1484784"/>
-            <a:ext cx="5109091" cy="400110"/>
+            <a:ext cx="5416868" cy="400110"/>
           </a:xfrm>
           <a:prstGeom prst="rect">
             <a:avLst/>
@@ -12216,8 +12280,8 @@
           </a:lstStyle>
           <a:p>
             <a:r>
-              <a:rPr lang="en-US" sz="2000" smtClean="0"/>
-              <a:t>{name: “FOMA”, x: 12.2, y:889.1}</a:t>
+              <a:rPr lang="en-US" sz="2000" dirty="0" smtClean="0"/>
+              <a:t>{title: “Rogue One”, wg:155081681}</a:t>
             </a:r>
             <a:endParaRPr lang="en-US" sz="2000" dirty="0"/>
           </a:p>
@@ -12225,14 +12289,14 @@
       </p:sp>
       <p:sp>
         <p:nvSpPr>
-          <p:cNvPr id="15" name="TextBox 14"/>
+          <p:cNvPr id="12" name="TextBox 11"/>
           <p:cNvSpPr txBox="1"/>
           <p:nvPr/>
         </p:nvSpPr>
         <p:spPr>
           <a:xfrm>
             <a:off x="3563888" y="2060848"/>
-            <a:ext cx="4955203" cy="400110"/>
+            <a:ext cx="4647426" cy="400110"/>
           </a:xfrm>
           <a:prstGeom prst="rect">
             <a:avLst/>
@@ -12275,7 +12339,7 @@
           <a:p>
             <a:r>
               <a:rPr lang="en-US" sz="2000" dirty="0" smtClean="0"/>
-              <a:t>{name: “AUSW”, x: 112.2, y:9.3}</a:t>
+              <a:t>{title: “Moana”, wg:12762232}</a:t>
             </a:r>
             <a:endParaRPr lang="en-US" sz="2000" dirty="0"/>
           </a:p>
@@ -12283,14 +12347,14 @@
       </p:sp>
       <p:sp>
         <p:nvSpPr>
-          <p:cNvPr id="16" name="TextBox 15"/>
+          <p:cNvPr id="13" name="TextBox 12"/>
           <p:cNvSpPr txBox="1"/>
           <p:nvPr/>
         </p:nvSpPr>
         <p:spPr>
           <a:xfrm>
             <a:off x="3563888" y="2636912"/>
-            <a:ext cx="4647426" cy="400110"/>
+            <a:ext cx="4955203" cy="400110"/>
           </a:xfrm>
           <a:prstGeom prst="rect">
             <a:avLst/>
@@ -12333,89 +12397,17 @@
           <a:p>
             <a:r>
               <a:rPr lang="en-US" sz="2000" dirty="0" smtClean="0"/>
-              <a:t>{name</a:t>
-            </a:r>
-            <a:r>
-              <a:rPr lang="en-US" sz="2000" smtClean="0"/>
-              <a:t>: “BUHA”, </a:t>
+              <a:t>{title: “</a:t>
+            </a:r>
+            <a:r>
+              <a:rPr lang="en-US" sz="2000" dirty="0" err="1" smtClean="0"/>
+              <a:t>LaLaLand</a:t>
             </a:r>
             <a:r>
               <a:rPr lang="en-US" sz="2000" dirty="0" smtClean="0"/>
-              <a:t>x</a:t>
-            </a:r>
-            <a:r>
-              <a:rPr lang="en-US" sz="2000" smtClean="0"/>
-              <a:t>: 43, y:91.7}</a:t>
+              <a:t>”, wg:4102091}</a:t>
             </a:r>
             <a:endParaRPr lang="en-US" sz="2000" dirty="0"/>
-          </a:p>
-        </p:txBody>
-      </p:sp>
-      <p:sp>
-        <p:nvSpPr>
-          <p:cNvPr id="19" name="TextBox 18"/>
-          <p:cNvSpPr txBox="1"/>
-          <p:nvPr/>
-        </p:nvSpPr>
-        <p:spPr>
-          <a:xfrm>
-            <a:off x="1456576" y="842809"/>
-            <a:ext cx="1637436" cy="369332"/>
-          </a:xfrm>
-          <a:prstGeom prst="rect">
-            <a:avLst/>
-          </a:prstGeom>
-          <a:noFill/>
-        </p:spPr>
-        <p:txBody>
-          <a:bodyPr wrap="none" rtlCol="0">
-            <a:spAutoFit/>
-          </a:bodyPr>
-          <a:lstStyle/>
-          <a:p>
-            <a:r>
-              <a:rPr lang="en-US" dirty="0" smtClean="0"/>
-              <a:t>DOM-</a:t>
-            </a:r>
-            <a:r>
-              <a:rPr lang="en-US" dirty="0" err="1" smtClean="0"/>
-              <a:t>Elemente</a:t>
-            </a:r>
-            <a:endParaRPr lang="en-US" dirty="0"/>
-          </a:p>
-        </p:txBody>
-      </p:sp>
-      <p:sp>
-        <p:nvSpPr>
-          <p:cNvPr id="20" name="TextBox 19"/>
-          <p:cNvSpPr txBox="1"/>
-          <p:nvPr/>
-        </p:nvSpPr>
-        <p:spPr>
-          <a:xfrm>
-            <a:off x="5068883" y="842809"/>
-            <a:ext cx="1912383" cy="369332"/>
-          </a:xfrm>
-          <a:prstGeom prst="rect">
-            <a:avLst/>
-          </a:prstGeom>
-          <a:noFill/>
-        </p:spPr>
-        <p:txBody>
-          <a:bodyPr wrap="none" rtlCol="0">
-            <a:spAutoFit/>
-          </a:bodyPr>
-          <a:lstStyle/>
-          <a:p>
-            <a:r>
-              <a:rPr lang="en-US" dirty="0" smtClean="0"/>
-              <a:t>JavaScript-</a:t>
-            </a:r>
-            <a:r>
-              <a:rPr lang="en-US" dirty="0" err="1" smtClean="0"/>
-              <a:t>Objekte</a:t>
-            </a:r>
-            <a:endParaRPr lang="en-US" dirty="0"/>
           </a:p>
         </p:txBody>
       </p:sp>
@@ -12573,7 +12565,7 @@
         <p:spPr>
           <a:xfrm>
             <a:off x="1259632" y="1484784"/>
-            <a:ext cx="2031325" cy="400110"/>
+            <a:ext cx="1107996" cy="400110"/>
           </a:xfrm>
           <a:prstGeom prst="rect">
             <a:avLst/>
@@ -12616,8 +12608,8 @@
               <a:t>&lt;</a:t>
             </a:r>
             <a:r>
-              <a:rPr lang="en-US" sz="2000" dirty="0" err="1"/>
-              <a:t>svg:circle</a:t>
+              <a:rPr lang="en-US" sz="2000" dirty="0" err="1" smtClean="0"/>
+              <a:t>rect</a:t>
             </a:r>
             <a:r>
               <a:rPr lang="en-US" sz="2000" dirty="0" smtClean="0"/>
@@ -12636,7 +12628,7 @@
         <p:spPr>
           <a:xfrm>
             <a:off x="1259632" y="2060848"/>
-            <a:ext cx="2031325" cy="400110"/>
+            <a:ext cx="1107996" cy="400110"/>
           </a:xfrm>
           <a:prstGeom prst="rect">
             <a:avLst/>
@@ -12679,8 +12671,8 @@
               <a:t>&lt;</a:t>
             </a:r>
             <a:r>
-              <a:rPr lang="en-US" sz="2000" dirty="0" err="1"/>
-              <a:t>svg:circle</a:t>
+              <a:rPr lang="en-US" sz="2000" dirty="0" err="1" smtClean="0"/>
+              <a:t>rect</a:t>
             </a:r>
             <a:r>
               <a:rPr lang="en-US" sz="2000" dirty="0" smtClean="0"/>
@@ -12699,7 +12691,7 @@
         <p:spPr>
           <a:xfrm>
             <a:off x="1259632" y="2636912"/>
-            <a:ext cx="2031325" cy="400110"/>
+            <a:ext cx="1107996" cy="400110"/>
           </a:xfrm>
           <a:prstGeom prst="rect">
             <a:avLst/>
@@ -12742,8 +12734,8 @@
               <a:t>&lt;</a:t>
             </a:r>
             <a:r>
-              <a:rPr lang="en-US" sz="2000" dirty="0" err="1"/>
-              <a:t>svg:circle</a:t>
+              <a:rPr lang="en-US" sz="2000" dirty="0" err="1" smtClean="0"/>
+              <a:t>rect</a:t>
             </a:r>
             <a:r>
               <a:rPr lang="en-US" sz="2000" dirty="0" smtClean="0"/>
@@ -12755,14 +12747,82 @@
       </p:sp>
       <p:sp>
         <p:nvSpPr>
-          <p:cNvPr id="11" name="TextBox 10"/>
+          <p:cNvPr id="19" name="TextBox 18"/>
           <p:cNvSpPr txBox="1"/>
           <p:nvPr/>
         </p:nvSpPr>
         <p:spPr>
           <a:xfrm>
+            <a:off x="1456576" y="842809"/>
+            <a:ext cx="1637436" cy="369332"/>
+          </a:xfrm>
+          <a:prstGeom prst="rect">
+            <a:avLst/>
+          </a:prstGeom>
+          <a:noFill/>
+        </p:spPr>
+        <p:txBody>
+          <a:bodyPr wrap="none" rtlCol="0">
+            <a:spAutoFit/>
+          </a:bodyPr>
+          <a:lstStyle/>
+          <a:p>
+            <a:r>
+              <a:rPr lang="en-US" dirty="0" smtClean="0"/>
+              <a:t>DOM-</a:t>
+            </a:r>
+            <a:r>
+              <a:rPr lang="en-US" dirty="0" err="1" smtClean="0"/>
+              <a:t>Elemente</a:t>
+            </a:r>
+            <a:endParaRPr lang="en-US" dirty="0"/>
+          </a:p>
+        </p:txBody>
+      </p:sp>
+      <p:sp>
+        <p:nvSpPr>
+          <p:cNvPr id="20" name="TextBox 19"/>
+          <p:cNvSpPr txBox="1"/>
+          <p:nvPr/>
+        </p:nvSpPr>
+        <p:spPr>
+          <a:xfrm>
+            <a:off x="5068883" y="842809"/>
+            <a:ext cx="1912383" cy="369332"/>
+          </a:xfrm>
+          <a:prstGeom prst="rect">
+            <a:avLst/>
+          </a:prstGeom>
+          <a:noFill/>
+        </p:spPr>
+        <p:txBody>
+          <a:bodyPr wrap="none" rtlCol="0">
+            <a:spAutoFit/>
+          </a:bodyPr>
+          <a:lstStyle/>
+          <a:p>
+            <a:r>
+              <a:rPr lang="en-US" dirty="0" smtClean="0"/>
+              <a:t>JavaScript-</a:t>
+            </a:r>
+            <a:r>
+              <a:rPr lang="en-US" dirty="0" err="1" smtClean="0"/>
+              <a:t>Objekte</a:t>
+            </a:r>
+            <a:endParaRPr lang="en-US" dirty="0"/>
+          </a:p>
+        </p:txBody>
+      </p:sp>
+      <p:sp>
+        <p:nvSpPr>
+          <p:cNvPr id="13" name="TextBox 12"/>
+          <p:cNvSpPr txBox="1"/>
+          <p:nvPr/>
+        </p:nvSpPr>
+        <p:spPr>
+          <a:xfrm>
             <a:off x="3563888" y="1484784"/>
-            <a:ext cx="5109091" cy="400110"/>
+            <a:ext cx="5416868" cy="400110"/>
           </a:xfrm>
           <a:prstGeom prst="rect">
             <a:avLst/>
@@ -12804,8 +12864,8 @@
           </a:lstStyle>
           <a:p>
             <a:r>
-              <a:rPr lang="en-US" sz="2000" smtClean="0"/>
-              <a:t>{name: “FOMA”, x: 12.2, y:889.1}</a:t>
+              <a:rPr lang="en-US" sz="2000" dirty="0" smtClean="0"/>
+              <a:t>{title: “Rogue One”, wg:155081681}</a:t>
             </a:r>
             <a:endParaRPr lang="en-US" sz="2000" dirty="0"/>
           </a:p>
@@ -12813,14 +12873,14 @@
       </p:sp>
       <p:sp>
         <p:nvSpPr>
-          <p:cNvPr id="15" name="TextBox 14"/>
+          <p:cNvPr id="14" name="TextBox 13"/>
           <p:cNvSpPr txBox="1"/>
           <p:nvPr/>
         </p:nvSpPr>
         <p:spPr>
           <a:xfrm>
             <a:off x="3563888" y="2060848"/>
-            <a:ext cx="4955203" cy="400110"/>
+            <a:ext cx="4647426" cy="400110"/>
           </a:xfrm>
           <a:prstGeom prst="rect">
             <a:avLst/>
@@ -12863,7 +12923,7 @@
           <a:p>
             <a:r>
               <a:rPr lang="en-US" sz="2000" dirty="0" smtClean="0"/>
-              <a:t>{name: “AUSW”, x: 112.2, y:9.3}</a:t>
+              <a:t>{title: “Moana”, wg:12762232}</a:t>
             </a:r>
             <a:endParaRPr lang="en-US" sz="2000" dirty="0"/>
           </a:p>
@@ -12871,14 +12931,14 @@
       </p:sp>
       <p:sp>
         <p:nvSpPr>
-          <p:cNvPr id="16" name="TextBox 15"/>
+          <p:cNvPr id="17" name="TextBox 16"/>
           <p:cNvSpPr txBox="1"/>
           <p:nvPr/>
         </p:nvSpPr>
         <p:spPr>
           <a:xfrm>
             <a:off x="3563888" y="2636912"/>
-            <a:ext cx="4647426" cy="400110"/>
+            <a:ext cx="4955203" cy="400110"/>
           </a:xfrm>
           <a:prstGeom prst="rect">
             <a:avLst/>
@@ -12921,89 +12981,17 @@
           <a:p>
             <a:r>
               <a:rPr lang="en-US" sz="2000" dirty="0" smtClean="0"/>
-              <a:t>{name</a:t>
-            </a:r>
-            <a:r>
-              <a:rPr lang="en-US" sz="2000" smtClean="0"/>
-              <a:t>: “BUHA”, </a:t>
+              <a:t>{title: “</a:t>
+            </a:r>
+            <a:r>
+              <a:rPr lang="en-US" sz="2000" dirty="0" err="1" smtClean="0"/>
+              <a:t>LaLaLand</a:t>
             </a:r>
             <a:r>
               <a:rPr lang="en-US" sz="2000" dirty="0" smtClean="0"/>
-              <a:t>x</a:t>
-            </a:r>
-            <a:r>
-              <a:rPr lang="en-US" sz="2000" smtClean="0"/>
-              <a:t>: 43, y:91.7}</a:t>
+              <a:t>”, wg:4102091}</a:t>
             </a:r>
             <a:endParaRPr lang="en-US" sz="2000" dirty="0"/>
-          </a:p>
-        </p:txBody>
-      </p:sp>
-      <p:sp>
-        <p:nvSpPr>
-          <p:cNvPr id="19" name="TextBox 18"/>
-          <p:cNvSpPr txBox="1"/>
-          <p:nvPr/>
-        </p:nvSpPr>
-        <p:spPr>
-          <a:xfrm>
-            <a:off x="1456576" y="842809"/>
-            <a:ext cx="1637436" cy="369332"/>
-          </a:xfrm>
-          <a:prstGeom prst="rect">
-            <a:avLst/>
-          </a:prstGeom>
-          <a:noFill/>
-        </p:spPr>
-        <p:txBody>
-          <a:bodyPr wrap="none" rtlCol="0">
-            <a:spAutoFit/>
-          </a:bodyPr>
-          <a:lstStyle/>
-          <a:p>
-            <a:r>
-              <a:rPr lang="en-US" dirty="0" smtClean="0"/>
-              <a:t>DOM-</a:t>
-            </a:r>
-            <a:r>
-              <a:rPr lang="en-US" dirty="0" err="1" smtClean="0"/>
-              <a:t>Elemente</a:t>
-            </a:r>
-            <a:endParaRPr lang="en-US" dirty="0"/>
-          </a:p>
-        </p:txBody>
-      </p:sp>
-      <p:sp>
-        <p:nvSpPr>
-          <p:cNvPr id="20" name="TextBox 19"/>
-          <p:cNvSpPr txBox="1"/>
-          <p:nvPr/>
-        </p:nvSpPr>
-        <p:spPr>
-          <a:xfrm>
-            <a:off x="5068883" y="842809"/>
-            <a:ext cx="1912383" cy="369332"/>
-          </a:xfrm>
-          <a:prstGeom prst="rect">
-            <a:avLst/>
-          </a:prstGeom>
-          <a:noFill/>
-        </p:spPr>
-        <p:txBody>
-          <a:bodyPr wrap="none" rtlCol="0">
-            <a:spAutoFit/>
-          </a:bodyPr>
-          <a:lstStyle/>
-          <a:p>
-            <a:r>
-              <a:rPr lang="en-US" dirty="0" smtClean="0"/>
-              <a:t>JavaScript-</a:t>
-            </a:r>
-            <a:r>
-              <a:rPr lang="en-US" dirty="0" err="1" smtClean="0"/>
-              <a:t>Objekte</a:t>
-            </a:r>
-            <a:endParaRPr lang="en-US" dirty="0"/>
           </a:p>
         </p:txBody>
       </p:sp>
@@ -13154,195 +13142,6 @@
       </p:pic>
       <p:sp>
         <p:nvSpPr>
-          <p:cNvPr id="7" name="TextBox 6"/>
-          <p:cNvSpPr txBox="1"/>
-          <p:nvPr/>
-        </p:nvSpPr>
-        <p:spPr>
-          <a:xfrm>
-            <a:off x="1259632" y="1484784"/>
-            <a:ext cx="2031325" cy="400110"/>
-          </a:xfrm>
-          <a:prstGeom prst="rect">
-            <a:avLst/>
-          </a:prstGeom>
-          <a:solidFill>
-            <a:schemeClr val="bg2"/>
-          </a:solidFill>
-          <a:ln w="57150">
-            <a:solidFill>
-              <a:schemeClr val="bg1"/>
-            </a:solidFill>
-          </a:ln>
-          <a:effectLst>
-            <a:outerShdw blurRad="50800" dist="76200" dir="2700000" algn="tl" rotWithShape="0">
-              <a:prstClr val="black">
-                <a:alpha val="40000"/>
-              </a:prstClr>
-            </a:outerShdw>
-          </a:effectLst>
-        </p:spPr>
-        <p:txBody>
-          <a:bodyPr wrap="none" rtlCol="0">
-            <a:spAutoFit/>
-          </a:bodyPr>
-          <a:lstStyle>
-            <a:defPPr>
-              <a:defRPr lang="de-DE"/>
-            </a:defPPr>
-            <a:lvl1pPr>
-              <a:defRPr sz="1400" b="1">
-                <a:latin typeface="Courier New" charset="0"/>
-                <a:ea typeface="Courier New" charset="0"/>
-                <a:cs typeface="Courier New" charset="0"/>
-              </a:defRPr>
-            </a:lvl1pPr>
-          </a:lstStyle>
-          <a:p>
-            <a:r>
-              <a:rPr lang="en-US" sz="2000" dirty="0" smtClean="0"/>
-              <a:t>&lt;</a:t>
-            </a:r>
-            <a:r>
-              <a:rPr lang="en-US" sz="2000" dirty="0" err="1"/>
-              <a:t>svg:circle</a:t>
-            </a:r>
-            <a:r>
-              <a:rPr lang="en-US" sz="2000" dirty="0" smtClean="0"/>
-              <a:t>&gt;</a:t>
-            </a:r>
-            <a:endParaRPr lang="en-US" sz="2000" dirty="0"/>
-          </a:p>
-        </p:txBody>
-      </p:sp>
-      <p:sp>
-        <p:nvSpPr>
-          <p:cNvPr id="8" name="TextBox 7"/>
-          <p:cNvSpPr txBox="1"/>
-          <p:nvPr/>
-        </p:nvSpPr>
-        <p:spPr>
-          <a:xfrm>
-            <a:off x="1259632" y="2060848"/>
-            <a:ext cx="2031325" cy="400110"/>
-          </a:xfrm>
-          <a:prstGeom prst="rect">
-            <a:avLst/>
-          </a:prstGeom>
-          <a:solidFill>
-            <a:schemeClr val="bg2"/>
-          </a:solidFill>
-          <a:ln w="57150">
-            <a:solidFill>
-              <a:schemeClr val="bg1"/>
-            </a:solidFill>
-          </a:ln>
-          <a:effectLst>
-            <a:outerShdw blurRad="50800" dist="76200" dir="2700000" algn="tl" rotWithShape="0">
-              <a:prstClr val="black">
-                <a:alpha val="40000"/>
-              </a:prstClr>
-            </a:outerShdw>
-          </a:effectLst>
-        </p:spPr>
-        <p:txBody>
-          <a:bodyPr wrap="none" rtlCol="0">
-            <a:spAutoFit/>
-          </a:bodyPr>
-          <a:lstStyle>
-            <a:defPPr>
-              <a:defRPr lang="de-DE"/>
-            </a:defPPr>
-            <a:lvl1pPr>
-              <a:defRPr sz="1400" b="1">
-                <a:latin typeface="Courier New" charset="0"/>
-                <a:ea typeface="Courier New" charset="0"/>
-                <a:cs typeface="Courier New" charset="0"/>
-              </a:defRPr>
-            </a:lvl1pPr>
-          </a:lstStyle>
-          <a:p>
-            <a:r>
-              <a:rPr lang="en-US" sz="2000" dirty="0" smtClean="0"/>
-              <a:t>&lt;</a:t>
-            </a:r>
-            <a:r>
-              <a:rPr lang="en-US" sz="2000" dirty="0" err="1"/>
-              <a:t>svg:circle</a:t>
-            </a:r>
-            <a:r>
-              <a:rPr lang="en-US" sz="2000" dirty="0" smtClean="0"/>
-              <a:t>&gt;</a:t>
-            </a:r>
-            <a:endParaRPr lang="en-US" sz="2000" dirty="0"/>
-          </a:p>
-        </p:txBody>
-      </p:sp>
-      <p:sp>
-        <p:nvSpPr>
-          <p:cNvPr id="9" name="TextBox 8"/>
-          <p:cNvSpPr txBox="1"/>
-          <p:nvPr/>
-        </p:nvSpPr>
-        <p:spPr>
-          <a:xfrm>
-            <a:off x="1259632" y="2636912"/>
-            <a:ext cx="2031325" cy="400110"/>
-          </a:xfrm>
-          <a:prstGeom prst="rect">
-            <a:avLst/>
-          </a:prstGeom>
-          <a:solidFill>
-            <a:schemeClr val="bg2"/>
-          </a:solidFill>
-          <a:ln w="57150">
-            <a:solidFill>
-              <a:schemeClr val="bg1"/>
-            </a:solidFill>
-          </a:ln>
-          <a:effectLst>
-            <a:outerShdw blurRad="50800" dist="76200" dir="2700000" algn="tl" rotWithShape="0">
-              <a:prstClr val="black">
-                <a:alpha val="40000"/>
-              </a:prstClr>
-            </a:outerShdw>
-          </a:effectLst>
-        </p:spPr>
-        <p:txBody>
-          <a:bodyPr wrap="none" rtlCol="0">
-            <a:spAutoFit/>
-          </a:bodyPr>
-          <a:lstStyle>
-            <a:defPPr>
-              <a:defRPr lang="de-DE"/>
-            </a:defPPr>
-            <a:lvl1pPr>
-              <a:defRPr sz="1400" b="1">
-                <a:latin typeface="Courier New" charset="0"/>
-                <a:ea typeface="Courier New" charset="0"/>
-                <a:cs typeface="Courier New" charset="0"/>
-              </a:defRPr>
-            </a:lvl1pPr>
-          </a:lstStyle>
-          <a:p>
-            <a:r>
-              <a:rPr lang="en-US" sz="2000" dirty="0" smtClean="0"/>
-              <a:t>&lt;</a:t>
-            </a:r>
-            <a:r>
-              <a:rPr lang="en-US" sz="2000" dirty="0" err="1"/>
-              <a:t>svg:circle</a:t>
-            </a:r>
-            <a:r>
-              <a:rPr lang="en-US" sz="2000" dirty="0" smtClean="0"/>
-              <a:t>&gt;</a:t>
-            </a:r>
-            <a:endParaRPr lang="en-US" sz="2000" dirty="0"/>
-          </a:p>
-        </p:txBody>
-      </p:sp>
-      <p:sp>
-        <p:nvSpPr>
           <p:cNvPr id="11" name="TextBox 10"/>
           <p:cNvSpPr txBox="1"/>
           <p:nvPr/>
@@ -13536,7 +13335,7 @@
         <p:spPr>
           <a:xfrm>
             <a:off x="3563888" y="3212976"/>
-            <a:ext cx="4801314" cy="400110"/>
+            <a:ext cx="4647426" cy="400110"/>
           </a:xfrm>
           <a:prstGeom prst="rect">
             <a:avLst/>
@@ -13579,23 +13378,7 @@
           <a:p>
             <a:r>
               <a:rPr lang="en-US" sz="2000" dirty="0" smtClean="0"/>
-              <a:t>{name</a:t>
-            </a:r>
-            <a:r>
-              <a:rPr lang="en-US" sz="2000" smtClean="0"/>
-              <a:t>: “PERS”, </a:t>
-            </a:r>
-            <a:r>
-              <a:rPr lang="en-US" sz="2000" dirty="0" smtClean="0"/>
-              <a:t>x</a:t>
-            </a:r>
-            <a:r>
-              <a:rPr lang="en-US" sz="2000" smtClean="0"/>
-              <a:t>: 223, y:21.7</a:t>
-            </a:r>
-            <a:r>
-              <a:rPr lang="en-US" sz="2000" dirty="0" smtClean="0"/>
-              <a:t>}</a:t>
+              <a:t>{title: “Fences”, wg:6688105}</a:t>
             </a:r>
             <a:endParaRPr lang="en-US" sz="2000" dirty="0"/>
           </a:p>
@@ -13610,7 +13393,7 @@
         <p:spPr>
           <a:xfrm>
             <a:off x="3563888" y="3789040"/>
-            <a:ext cx="4955203" cy="400110"/>
+            <a:ext cx="5109091" cy="400110"/>
           </a:xfrm>
           <a:prstGeom prst="rect">
             <a:avLst/>
@@ -13653,7 +13436,7 @@
           <a:p>
             <a:r>
               <a:rPr lang="en-US" sz="2000" dirty="0" smtClean="0"/>
-              <a:t>{name: “MAND”, x: 421, y:661.3}</a:t>
+              <a:t>{title: “Why Him?”, wg:11002968}</a:t>
             </a:r>
             <a:endParaRPr lang="en-US" sz="2000" dirty="0"/>
           </a:p>
@@ -13724,6 +13507,377 @@
               <a:t>Objekte</a:t>
             </a:r>
             <a:endParaRPr lang="en-US" dirty="0"/>
+          </a:p>
+        </p:txBody>
+      </p:sp>
+      <p:sp>
+        <p:nvSpPr>
+          <p:cNvPr id="22" name="TextBox 21"/>
+          <p:cNvSpPr txBox="1"/>
+          <p:nvPr/>
+        </p:nvSpPr>
+        <p:spPr>
+          <a:xfrm>
+            <a:off x="1259632" y="1484784"/>
+            <a:ext cx="1107996" cy="400110"/>
+          </a:xfrm>
+          <a:prstGeom prst="rect">
+            <a:avLst/>
+          </a:prstGeom>
+          <a:solidFill>
+            <a:schemeClr val="bg2"/>
+          </a:solidFill>
+          <a:ln w="57150">
+            <a:solidFill>
+              <a:schemeClr val="bg1"/>
+            </a:solidFill>
+          </a:ln>
+          <a:effectLst>
+            <a:outerShdw blurRad="50800" dist="76200" dir="2700000" algn="tl" rotWithShape="0">
+              <a:prstClr val="black">
+                <a:alpha val="40000"/>
+              </a:prstClr>
+            </a:outerShdw>
+          </a:effectLst>
+        </p:spPr>
+        <p:txBody>
+          <a:bodyPr wrap="none" rtlCol="0">
+            <a:spAutoFit/>
+          </a:bodyPr>
+          <a:lstStyle>
+            <a:defPPr>
+              <a:defRPr lang="de-DE"/>
+            </a:defPPr>
+            <a:lvl1pPr>
+              <a:defRPr sz="1400" b="1">
+                <a:latin typeface="Courier New" charset="0"/>
+                <a:ea typeface="Courier New" charset="0"/>
+                <a:cs typeface="Courier New" charset="0"/>
+              </a:defRPr>
+            </a:lvl1pPr>
+          </a:lstStyle>
+          <a:p>
+            <a:r>
+              <a:rPr lang="en-US" sz="2000" dirty="0" smtClean="0"/>
+              <a:t>&lt;</a:t>
+            </a:r>
+            <a:r>
+              <a:rPr lang="en-US" sz="2000" dirty="0" err="1" smtClean="0"/>
+              <a:t>rect</a:t>
+            </a:r>
+            <a:r>
+              <a:rPr lang="en-US" sz="2000" dirty="0" smtClean="0"/>
+              <a:t>&gt;</a:t>
+            </a:r>
+            <a:endParaRPr lang="en-US" sz="2000" dirty="0"/>
+          </a:p>
+        </p:txBody>
+      </p:sp>
+      <p:sp>
+        <p:nvSpPr>
+          <p:cNvPr id="23" name="TextBox 22"/>
+          <p:cNvSpPr txBox="1"/>
+          <p:nvPr/>
+        </p:nvSpPr>
+        <p:spPr>
+          <a:xfrm>
+            <a:off x="1259632" y="2060848"/>
+            <a:ext cx="1107996" cy="400110"/>
+          </a:xfrm>
+          <a:prstGeom prst="rect">
+            <a:avLst/>
+          </a:prstGeom>
+          <a:solidFill>
+            <a:schemeClr val="bg2"/>
+          </a:solidFill>
+          <a:ln w="57150">
+            <a:solidFill>
+              <a:schemeClr val="bg1"/>
+            </a:solidFill>
+          </a:ln>
+          <a:effectLst>
+            <a:outerShdw blurRad="50800" dist="76200" dir="2700000" algn="tl" rotWithShape="0">
+              <a:prstClr val="black">
+                <a:alpha val="40000"/>
+              </a:prstClr>
+            </a:outerShdw>
+          </a:effectLst>
+        </p:spPr>
+        <p:txBody>
+          <a:bodyPr wrap="none" rtlCol="0">
+            <a:spAutoFit/>
+          </a:bodyPr>
+          <a:lstStyle>
+            <a:defPPr>
+              <a:defRPr lang="de-DE"/>
+            </a:defPPr>
+            <a:lvl1pPr>
+              <a:defRPr sz="1400" b="1">
+                <a:latin typeface="Courier New" charset="0"/>
+                <a:ea typeface="Courier New" charset="0"/>
+                <a:cs typeface="Courier New" charset="0"/>
+              </a:defRPr>
+            </a:lvl1pPr>
+          </a:lstStyle>
+          <a:p>
+            <a:r>
+              <a:rPr lang="en-US" sz="2000" dirty="0" smtClean="0"/>
+              <a:t>&lt;</a:t>
+            </a:r>
+            <a:r>
+              <a:rPr lang="en-US" sz="2000" dirty="0" err="1" smtClean="0"/>
+              <a:t>rect</a:t>
+            </a:r>
+            <a:r>
+              <a:rPr lang="en-US" sz="2000" dirty="0" smtClean="0"/>
+              <a:t>&gt;</a:t>
+            </a:r>
+            <a:endParaRPr lang="en-US" sz="2000" dirty="0"/>
+          </a:p>
+        </p:txBody>
+      </p:sp>
+      <p:sp>
+        <p:nvSpPr>
+          <p:cNvPr id="24" name="TextBox 23"/>
+          <p:cNvSpPr txBox="1"/>
+          <p:nvPr/>
+        </p:nvSpPr>
+        <p:spPr>
+          <a:xfrm>
+            <a:off x="1259632" y="2636912"/>
+            <a:ext cx="1107996" cy="400110"/>
+          </a:xfrm>
+          <a:prstGeom prst="rect">
+            <a:avLst/>
+          </a:prstGeom>
+          <a:solidFill>
+            <a:schemeClr val="bg2"/>
+          </a:solidFill>
+          <a:ln w="57150">
+            <a:solidFill>
+              <a:schemeClr val="bg1"/>
+            </a:solidFill>
+          </a:ln>
+          <a:effectLst>
+            <a:outerShdw blurRad="50800" dist="76200" dir="2700000" algn="tl" rotWithShape="0">
+              <a:prstClr val="black">
+                <a:alpha val="40000"/>
+              </a:prstClr>
+            </a:outerShdw>
+          </a:effectLst>
+        </p:spPr>
+        <p:txBody>
+          <a:bodyPr wrap="none" rtlCol="0">
+            <a:spAutoFit/>
+          </a:bodyPr>
+          <a:lstStyle>
+            <a:defPPr>
+              <a:defRPr lang="de-DE"/>
+            </a:defPPr>
+            <a:lvl1pPr>
+              <a:defRPr sz="1400" b="1">
+                <a:latin typeface="Courier New" charset="0"/>
+                <a:ea typeface="Courier New" charset="0"/>
+                <a:cs typeface="Courier New" charset="0"/>
+              </a:defRPr>
+            </a:lvl1pPr>
+          </a:lstStyle>
+          <a:p>
+            <a:r>
+              <a:rPr lang="en-US" sz="2000" dirty="0" smtClean="0"/>
+              <a:t>&lt;</a:t>
+            </a:r>
+            <a:r>
+              <a:rPr lang="en-US" sz="2000" dirty="0" err="1" smtClean="0"/>
+              <a:t>rect</a:t>
+            </a:r>
+            <a:r>
+              <a:rPr lang="en-US" sz="2000" dirty="0" smtClean="0"/>
+              <a:t>&gt;</a:t>
+            </a:r>
+            <a:endParaRPr lang="en-US" sz="2000" dirty="0"/>
+          </a:p>
+        </p:txBody>
+      </p:sp>
+      <p:sp>
+        <p:nvSpPr>
+          <p:cNvPr id="25" name="TextBox 24"/>
+          <p:cNvSpPr txBox="1"/>
+          <p:nvPr/>
+        </p:nvSpPr>
+        <p:spPr>
+          <a:xfrm>
+            <a:off x="3563888" y="1484784"/>
+            <a:ext cx="5416868" cy="400110"/>
+          </a:xfrm>
+          <a:prstGeom prst="rect">
+            <a:avLst/>
+          </a:prstGeom>
+          <a:solidFill>
+            <a:schemeClr val="tx2">
+              <a:lumMod val="40000"/>
+              <a:lumOff val="60000"/>
+            </a:schemeClr>
+          </a:solidFill>
+          <a:ln w="57150">
+            <a:solidFill>
+              <a:schemeClr val="bg1"/>
+            </a:solidFill>
+          </a:ln>
+          <a:effectLst>
+            <a:outerShdw blurRad="50800" dist="76200" dir="2700000" algn="tl" rotWithShape="0">
+              <a:prstClr val="black">
+                <a:alpha val="40000"/>
+              </a:prstClr>
+            </a:outerShdw>
+          </a:effectLst>
+        </p:spPr>
+        <p:txBody>
+          <a:bodyPr wrap="none" rtlCol="0">
+            <a:spAutoFit/>
+          </a:bodyPr>
+          <a:lstStyle>
+            <a:defPPr>
+              <a:defRPr lang="de-DE"/>
+            </a:defPPr>
+            <a:lvl1pPr>
+              <a:defRPr sz="1400" b="1">
+                <a:latin typeface="Courier New" charset="0"/>
+                <a:ea typeface="Courier New" charset="0"/>
+                <a:cs typeface="Courier New" charset="0"/>
+              </a:defRPr>
+            </a:lvl1pPr>
+          </a:lstStyle>
+          <a:p>
+            <a:r>
+              <a:rPr lang="en-US" sz="2000" dirty="0" smtClean="0"/>
+              <a:t>{title: “Rogue One”, wg:155081681}</a:t>
+            </a:r>
+            <a:endParaRPr lang="en-US" sz="2000" dirty="0"/>
+          </a:p>
+        </p:txBody>
+      </p:sp>
+      <p:sp>
+        <p:nvSpPr>
+          <p:cNvPr id="26" name="TextBox 25"/>
+          <p:cNvSpPr txBox="1"/>
+          <p:nvPr/>
+        </p:nvSpPr>
+        <p:spPr>
+          <a:xfrm>
+            <a:off x="3563888" y="2060848"/>
+            <a:ext cx="4647426" cy="400110"/>
+          </a:xfrm>
+          <a:prstGeom prst="rect">
+            <a:avLst/>
+          </a:prstGeom>
+          <a:solidFill>
+            <a:schemeClr val="tx2">
+              <a:lumMod val="40000"/>
+              <a:lumOff val="60000"/>
+            </a:schemeClr>
+          </a:solidFill>
+          <a:ln w="57150">
+            <a:solidFill>
+              <a:schemeClr val="bg1"/>
+            </a:solidFill>
+          </a:ln>
+          <a:effectLst>
+            <a:outerShdw blurRad="50800" dist="76200" dir="2700000" algn="tl" rotWithShape="0">
+              <a:prstClr val="black">
+                <a:alpha val="40000"/>
+              </a:prstClr>
+            </a:outerShdw>
+          </a:effectLst>
+        </p:spPr>
+        <p:txBody>
+          <a:bodyPr wrap="none" rtlCol="0">
+            <a:spAutoFit/>
+          </a:bodyPr>
+          <a:lstStyle>
+            <a:defPPr>
+              <a:defRPr lang="de-DE"/>
+            </a:defPPr>
+            <a:lvl1pPr>
+              <a:defRPr sz="1400" b="1">
+                <a:latin typeface="Courier New" charset="0"/>
+                <a:ea typeface="Courier New" charset="0"/>
+                <a:cs typeface="Courier New" charset="0"/>
+              </a:defRPr>
+            </a:lvl1pPr>
+          </a:lstStyle>
+          <a:p>
+            <a:r>
+              <a:rPr lang="en-US" sz="2000" dirty="0" smtClean="0"/>
+              <a:t>{title: “Moana”, wg:12762232}</a:t>
+            </a:r>
+            <a:endParaRPr lang="en-US" sz="2000" dirty="0"/>
+          </a:p>
+        </p:txBody>
+      </p:sp>
+      <p:sp>
+        <p:nvSpPr>
+          <p:cNvPr id="27" name="TextBox 26"/>
+          <p:cNvSpPr txBox="1"/>
+          <p:nvPr/>
+        </p:nvSpPr>
+        <p:spPr>
+          <a:xfrm>
+            <a:off x="3563888" y="2636912"/>
+            <a:ext cx="4955203" cy="400110"/>
+          </a:xfrm>
+          <a:prstGeom prst="rect">
+            <a:avLst/>
+          </a:prstGeom>
+          <a:solidFill>
+            <a:schemeClr val="tx2">
+              <a:lumMod val="40000"/>
+              <a:lumOff val="60000"/>
+            </a:schemeClr>
+          </a:solidFill>
+          <a:ln w="57150">
+            <a:solidFill>
+              <a:schemeClr val="bg1"/>
+            </a:solidFill>
+          </a:ln>
+          <a:effectLst>
+            <a:outerShdw blurRad="50800" dist="76200" dir="2700000" algn="tl" rotWithShape="0">
+              <a:prstClr val="black">
+                <a:alpha val="40000"/>
+              </a:prstClr>
+            </a:outerShdw>
+          </a:effectLst>
+        </p:spPr>
+        <p:txBody>
+          <a:bodyPr wrap="none" rtlCol="0">
+            <a:spAutoFit/>
+          </a:bodyPr>
+          <a:lstStyle>
+            <a:defPPr>
+              <a:defRPr lang="de-DE"/>
+            </a:defPPr>
+            <a:lvl1pPr>
+              <a:defRPr sz="1400" b="1">
+                <a:latin typeface="Courier New" charset="0"/>
+                <a:ea typeface="Courier New" charset="0"/>
+                <a:cs typeface="Courier New" charset="0"/>
+              </a:defRPr>
+            </a:lvl1pPr>
+          </a:lstStyle>
+          <a:p>
+            <a:r>
+              <a:rPr lang="en-US" sz="2000" dirty="0" smtClean="0"/>
+              <a:t>{title: “</a:t>
+            </a:r>
+            <a:r>
+              <a:rPr lang="en-US" sz="2000" dirty="0" err="1" smtClean="0"/>
+              <a:t>LaLaLand</a:t>
+            </a:r>
+            <a:r>
+              <a:rPr lang="en-US" sz="2000" dirty="0" smtClean="0"/>
+              <a:t>”, wg:4102091}</a:t>
+            </a:r>
+            <a:endParaRPr lang="en-US" sz="2000" dirty="0"/>
           </a:p>
         </p:txBody>
       </p:sp>
@@ -13874,14 +14028,82 @@
       </p:pic>
       <p:sp>
         <p:nvSpPr>
-          <p:cNvPr id="7" name="TextBox 6"/>
+          <p:cNvPr id="19" name="TextBox 18"/>
           <p:cNvSpPr txBox="1"/>
           <p:nvPr/>
         </p:nvSpPr>
         <p:spPr>
           <a:xfrm>
-            <a:off x="1259632" y="1484784"/>
-            <a:ext cx="2031325" cy="400110"/>
+            <a:off x="1456576" y="842809"/>
+            <a:ext cx="1637436" cy="369332"/>
+          </a:xfrm>
+          <a:prstGeom prst="rect">
+            <a:avLst/>
+          </a:prstGeom>
+          <a:noFill/>
+        </p:spPr>
+        <p:txBody>
+          <a:bodyPr wrap="none" rtlCol="0">
+            <a:spAutoFit/>
+          </a:bodyPr>
+          <a:lstStyle/>
+          <a:p>
+            <a:r>
+              <a:rPr lang="en-US" dirty="0" smtClean="0"/>
+              <a:t>DOM-</a:t>
+            </a:r>
+            <a:r>
+              <a:rPr lang="en-US" dirty="0" err="1" smtClean="0"/>
+              <a:t>Elemente</a:t>
+            </a:r>
+            <a:endParaRPr lang="en-US" dirty="0"/>
+          </a:p>
+        </p:txBody>
+      </p:sp>
+      <p:sp>
+        <p:nvSpPr>
+          <p:cNvPr id="20" name="TextBox 19"/>
+          <p:cNvSpPr txBox="1"/>
+          <p:nvPr/>
+        </p:nvSpPr>
+        <p:spPr>
+          <a:xfrm>
+            <a:off x="5068883" y="842809"/>
+            <a:ext cx="1912383" cy="369332"/>
+          </a:xfrm>
+          <a:prstGeom prst="rect">
+            <a:avLst/>
+          </a:prstGeom>
+          <a:noFill/>
+        </p:spPr>
+        <p:txBody>
+          <a:bodyPr wrap="none" rtlCol="0">
+            <a:spAutoFit/>
+          </a:bodyPr>
+          <a:lstStyle/>
+          <a:p>
+            <a:r>
+              <a:rPr lang="en-US" dirty="0" smtClean="0"/>
+              <a:t>JavaScript-</a:t>
+            </a:r>
+            <a:r>
+              <a:rPr lang="en-US" dirty="0" err="1" smtClean="0"/>
+              <a:t>Objekte</a:t>
+            </a:r>
+            <a:endParaRPr lang="en-US" dirty="0"/>
+          </a:p>
+        </p:txBody>
+      </p:sp>
+      <p:sp>
+        <p:nvSpPr>
+          <p:cNvPr id="22" name="TextBox 21"/>
+          <p:cNvSpPr txBox="1"/>
+          <p:nvPr/>
+        </p:nvSpPr>
+        <p:spPr>
+          <a:xfrm>
+            <a:off x="1244531" y="3244914"/>
+            <a:ext cx="1107996" cy="400110"/>
           </a:xfrm>
           <a:prstGeom prst="rect">
             <a:avLst/>
@@ -13924,8 +14146,8 @@
               <a:t>&lt;</a:t>
             </a:r>
             <a:r>
-              <a:rPr lang="en-US" sz="2000" dirty="0" err="1"/>
-              <a:t>svg:circle</a:t>
+              <a:rPr lang="en-US" sz="2000" dirty="0" err="1" smtClean="0"/>
+              <a:t>rect</a:t>
             </a:r>
             <a:r>
               <a:rPr lang="en-US" sz="2000" dirty="0" smtClean="0"/>
@@ -13937,14 +14159,14 @@
       </p:sp>
       <p:sp>
         <p:nvSpPr>
-          <p:cNvPr id="8" name="TextBox 7"/>
+          <p:cNvPr id="23" name="TextBox 22"/>
           <p:cNvSpPr txBox="1"/>
           <p:nvPr/>
         </p:nvSpPr>
         <p:spPr>
           <a:xfrm>
-            <a:off x="1259632" y="2060848"/>
-            <a:ext cx="2031325" cy="400110"/>
+            <a:off x="1244531" y="3820978"/>
+            <a:ext cx="1107996" cy="400110"/>
           </a:xfrm>
           <a:prstGeom prst="rect">
             <a:avLst/>
@@ -13987,8 +14209,8 @@
               <a:t>&lt;</a:t>
             </a:r>
             <a:r>
-              <a:rPr lang="en-US" sz="2000" dirty="0" err="1"/>
-              <a:t>svg:circle</a:t>
+              <a:rPr lang="en-US" sz="2000" dirty="0" err="1" smtClean="0"/>
+              <a:t>rect</a:t>
             </a:r>
             <a:r>
               <a:rPr lang="en-US" sz="2000" dirty="0" smtClean="0"/>
@@ -14000,77 +14222,14 @@
       </p:sp>
       <p:sp>
         <p:nvSpPr>
-          <p:cNvPr id="9" name="TextBox 8"/>
+          <p:cNvPr id="24" name="TextBox 23"/>
           <p:cNvSpPr txBox="1"/>
           <p:nvPr/>
         </p:nvSpPr>
         <p:spPr>
           <a:xfrm>
-            <a:off x="1259632" y="2636912"/>
-            <a:ext cx="2031325" cy="400110"/>
-          </a:xfrm>
-          <a:prstGeom prst="rect">
-            <a:avLst/>
-          </a:prstGeom>
-          <a:solidFill>
-            <a:schemeClr val="bg2"/>
-          </a:solidFill>
-          <a:ln w="57150">
-            <a:solidFill>
-              <a:schemeClr val="bg1"/>
-            </a:solidFill>
-          </a:ln>
-          <a:effectLst>
-            <a:outerShdw blurRad="50800" dist="76200" dir="2700000" algn="tl" rotWithShape="0">
-              <a:prstClr val="black">
-                <a:alpha val="40000"/>
-              </a:prstClr>
-            </a:outerShdw>
-          </a:effectLst>
-        </p:spPr>
-        <p:txBody>
-          <a:bodyPr wrap="none" rtlCol="0">
-            <a:spAutoFit/>
-          </a:bodyPr>
-          <a:lstStyle>
-            <a:defPPr>
-              <a:defRPr lang="de-DE"/>
-            </a:defPPr>
-            <a:lvl1pPr>
-              <a:defRPr sz="1400" b="1">
-                <a:latin typeface="Courier New" charset="0"/>
-                <a:ea typeface="Courier New" charset="0"/>
-                <a:cs typeface="Courier New" charset="0"/>
-              </a:defRPr>
-            </a:lvl1pPr>
-          </a:lstStyle>
-          <a:p>
-            <a:r>
-              <a:rPr lang="en-US" sz="2000" dirty="0" smtClean="0"/>
-              <a:t>&lt;</a:t>
-            </a:r>
-            <a:r>
-              <a:rPr lang="en-US" sz="2000" dirty="0" err="1"/>
-              <a:t>svg:circle</a:t>
-            </a:r>
-            <a:r>
-              <a:rPr lang="en-US" sz="2000" dirty="0" smtClean="0"/>
-              <a:t>&gt;</a:t>
-            </a:r>
-            <a:endParaRPr lang="en-US" sz="2000" dirty="0"/>
-          </a:p>
-        </p:txBody>
-      </p:sp>
-      <p:sp>
-        <p:nvSpPr>
-          <p:cNvPr id="11" name="TextBox 10"/>
-          <p:cNvSpPr txBox="1"/>
-          <p:nvPr/>
-        </p:nvSpPr>
-        <p:spPr>
-          <a:xfrm>
-            <a:off x="3563888" y="1484784"/>
-            <a:ext cx="5109091" cy="400110"/>
+            <a:off x="3563888" y="3212976"/>
+            <a:ext cx="4647426" cy="400110"/>
           </a:xfrm>
           <a:prstGeom prst="rect">
             <a:avLst/>
@@ -14112,8 +14271,8 @@
           </a:lstStyle>
           <a:p>
             <a:r>
-              <a:rPr lang="en-US" sz="2000" smtClean="0"/>
-              <a:t>{name: “FOMA”, x: 12.2, y:889.1}</a:t>
+              <a:rPr lang="en-US" sz="2000" dirty="0" smtClean="0"/>
+              <a:t>{title: “Fences”, wg:6688105}</a:t>
             </a:r>
             <a:endParaRPr lang="en-US" sz="2000" dirty="0"/>
           </a:p>
@@ -14121,13 +14280,13 @@
       </p:sp>
       <p:sp>
         <p:nvSpPr>
-          <p:cNvPr id="15" name="TextBox 14"/>
+          <p:cNvPr id="25" name="TextBox 24"/>
           <p:cNvSpPr txBox="1"/>
           <p:nvPr/>
         </p:nvSpPr>
         <p:spPr>
           <a:xfrm>
-            <a:off x="3563888" y="2060848"/>
+            <a:off x="3563888" y="3789040"/>
             <a:ext cx="4955203" cy="400110"/>
           </a:xfrm>
           <a:prstGeom prst="rect">
@@ -14171,7 +14330,11 @@
           <a:p>
             <a:r>
               <a:rPr lang="en-US" sz="2000" dirty="0" smtClean="0"/>
-              <a:t>{name: “AUSW”, x: 112.2, y:9.3}</a:t>
+              <a:t>{name: </a:t>
+            </a:r>
+            <a:r>
+              <a:rPr lang="en-US" sz="2000" dirty="0" smtClean="0"/>
+              <a:t>“Why Him?”, wg:11002968}</a:t>
             </a:r>
             <a:endParaRPr lang="en-US" sz="2000" dirty="0"/>
           </a:p>
@@ -14179,14 +14342,203 @@
       </p:sp>
       <p:sp>
         <p:nvSpPr>
-          <p:cNvPr id="16" name="TextBox 15"/>
+          <p:cNvPr id="26" name="TextBox 25"/>
           <p:cNvSpPr txBox="1"/>
           <p:nvPr/>
         </p:nvSpPr>
         <p:spPr>
           <a:xfrm>
-            <a:off x="3563888" y="2636912"/>
-            <a:ext cx="4647426" cy="400110"/>
+            <a:off x="1259632" y="1484784"/>
+            <a:ext cx="1107996" cy="400110"/>
+          </a:xfrm>
+          <a:prstGeom prst="rect">
+            <a:avLst/>
+          </a:prstGeom>
+          <a:solidFill>
+            <a:schemeClr val="bg2"/>
+          </a:solidFill>
+          <a:ln w="57150">
+            <a:solidFill>
+              <a:schemeClr val="bg1"/>
+            </a:solidFill>
+          </a:ln>
+          <a:effectLst>
+            <a:outerShdw blurRad="50800" dist="76200" dir="2700000" algn="tl" rotWithShape="0">
+              <a:prstClr val="black">
+                <a:alpha val="40000"/>
+              </a:prstClr>
+            </a:outerShdw>
+          </a:effectLst>
+        </p:spPr>
+        <p:txBody>
+          <a:bodyPr wrap="none" rtlCol="0">
+            <a:spAutoFit/>
+          </a:bodyPr>
+          <a:lstStyle>
+            <a:defPPr>
+              <a:defRPr lang="de-DE"/>
+            </a:defPPr>
+            <a:lvl1pPr>
+              <a:defRPr sz="1400" b="1">
+                <a:latin typeface="Courier New" charset="0"/>
+                <a:ea typeface="Courier New" charset="0"/>
+                <a:cs typeface="Courier New" charset="0"/>
+              </a:defRPr>
+            </a:lvl1pPr>
+          </a:lstStyle>
+          <a:p>
+            <a:r>
+              <a:rPr lang="en-US" sz="2000" dirty="0" smtClean="0"/>
+              <a:t>&lt;</a:t>
+            </a:r>
+            <a:r>
+              <a:rPr lang="en-US" sz="2000" dirty="0" err="1" smtClean="0"/>
+              <a:t>rect</a:t>
+            </a:r>
+            <a:r>
+              <a:rPr lang="en-US" sz="2000" dirty="0" smtClean="0"/>
+              <a:t>&gt;</a:t>
+            </a:r>
+            <a:endParaRPr lang="en-US" sz="2000" dirty="0"/>
+          </a:p>
+        </p:txBody>
+      </p:sp>
+      <p:sp>
+        <p:nvSpPr>
+          <p:cNvPr id="27" name="TextBox 26"/>
+          <p:cNvSpPr txBox="1"/>
+          <p:nvPr/>
+        </p:nvSpPr>
+        <p:spPr>
+          <a:xfrm>
+            <a:off x="1259632" y="2060848"/>
+            <a:ext cx="1107996" cy="400110"/>
+          </a:xfrm>
+          <a:prstGeom prst="rect">
+            <a:avLst/>
+          </a:prstGeom>
+          <a:solidFill>
+            <a:schemeClr val="bg2"/>
+          </a:solidFill>
+          <a:ln w="57150">
+            <a:solidFill>
+              <a:schemeClr val="bg1"/>
+            </a:solidFill>
+          </a:ln>
+          <a:effectLst>
+            <a:outerShdw blurRad="50800" dist="76200" dir="2700000" algn="tl" rotWithShape="0">
+              <a:prstClr val="black">
+                <a:alpha val="40000"/>
+              </a:prstClr>
+            </a:outerShdw>
+          </a:effectLst>
+        </p:spPr>
+        <p:txBody>
+          <a:bodyPr wrap="none" rtlCol="0">
+            <a:spAutoFit/>
+          </a:bodyPr>
+          <a:lstStyle>
+            <a:defPPr>
+              <a:defRPr lang="de-DE"/>
+            </a:defPPr>
+            <a:lvl1pPr>
+              <a:defRPr sz="1400" b="1">
+                <a:latin typeface="Courier New" charset="0"/>
+                <a:ea typeface="Courier New" charset="0"/>
+                <a:cs typeface="Courier New" charset="0"/>
+              </a:defRPr>
+            </a:lvl1pPr>
+          </a:lstStyle>
+          <a:p>
+            <a:r>
+              <a:rPr lang="en-US" sz="2000" dirty="0" smtClean="0"/>
+              <a:t>&lt;</a:t>
+            </a:r>
+            <a:r>
+              <a:rPr lang="en-US" sz="2000" dirty="0" err="1" smtClean="0"/>
+              <a:t>rect</a:t>
+            </a:r>
+            <a:r>
+              <a:rPr lang="en-US" sz="2000" dirty="0" smtClean="0"/>
+              <a:t>&gt;</a:t>
+            </a:r>
+            <a:endParaRPr lang="en-US" sz="2000" dirty="0"/>
+          </a:p>
+        </p:txBody>
+      </p:sp>
+      <p:sp>
+        <p:nvSpPr>
+          <p:cNvPr id="28" name="TextBox 27"/>
+          <p:cNvSpPr txBox="1"/>
+          <p:nvPr/>
+        </p:nvSpPr>
+        <p:spPr>
+          <a:xfrm>
+            <a:off x="1259632" y="2636912"/>
+            <a:ext cx="1107996" cy="400110"/>
+          </a:xfrm>
+          <a:prstGeom prst="rect">
+            <a:avLst/>
+          </a:prstGeom>
+          <a:solidFill>
+            <a:schemeClr val="bg2"/>
+          </a:solidFill>
+          <a:ln w="57150">
+            <a:solidFill>
+              <a:schemeClr val="bg1"/>
+            </a:solidFill>
+          </a:ln>
+          <a:effectLst>
+            <a:outerShdw blurRad="50800" dist="76200" dir="2700000" algn="tl" rotWithShape="0">
+              <a:prstClr val="black">
+                <a:alpha val="40000"/>
+              </a:prstClr>
+            </a:outerShdw>
+          </a:effectLst>
+        </p:spPr>
+        <p:txBody>
+          <a:bodyPr wrap="none" rtlCol="0">
+            <a:spAutoFit/>
+          </a:bodyPr>
+          <a:lstStyle>
+            <a:defPPr>
+              <a:defRPr lang="de-DE"/>
+            </a:defPPr>
+            <a:lvl1pPr>
+              <a:defRPr sz="1400" b="1">
+                <a:latin typeface="Courier New" charset="0"/>
+                <a:ea typeface="Courier New" charset="0"/>
+                <a:cs typeface="Courier New" charset="0"/>
+              </a:defRPr>
+            </a:lvl1pPr>
+          </a:lstStyle>
+          <a:p>
+            <a:r>
+              <a:rPr lang="en-US" sz="2000" dirty="0" smtClean="0"/>
+              <a:t>&lt;</a:t>
+            </a:r>
+            <a:r>
+              <a:rPr lang="en-US" sz="2000" dirty="0" err="1" smtClean="0"/>
+              <a:t>rect</a:t>
+            </a:r>
+            <a:r>
+              <a:rPr lang="en-US" sz="2000" dirty="0" smtClean="0"/>
+              <a:t>&gt;</a:t>
+            </a:r>
+            <a:endParaRPr lang="en-US" sz="2000" dirty="0"/>
+          </a:p>
+        </p:txBody>
+      </p:sp>
+      <p:sp>
+        <p:nvSpPr>
+          <p:cNvPr id="29" name="TextBox 28"/>
+          <p:cNvSpPr txBox="1"/>
+          <p:nvPr/>
+        </p:nvSpPr>
+        <p:spPr>
+          <a:xfrm>
+            <a:off x="3563888" y="1484784"/>
+            <a:ext cx="5416868" cy="400110"/>
           </a:xfrm>
           <a:prstGeom prst="rect">
             <a:avLst/>
@@ -14229,19 +14581,7 @@
           <a:p>
             <a:r>
               <a:rPr lang="en-US" sz="2000" dirty="0" smtClean="0"/>
-              <a:t>{name</a:t>
-            </a:r>
-            <a:r>
-              <a:rPr lang="en-US" sz="2000" smtClean="0"/>
-              <a:t>: “BUHA”, </a:t>
-            </a:r>
-            <a:r>
-              <a:rPr lang="en-US" sz="2000" dirty="0" smtClean="0"/>
-              <a:t>x</a:t>
-            </a:r>
-            <a:r>
-              <a:rPr lang="en-US" sz="2000" smtClean="0"/>
-              <a:t>: 43, y:91.7}</a:t>
+              <a:t>{title: “Rogue One”, wg:155081681}</a:t>
             </a:r>
             <a:endParaRPr lang="en-US" sz="2000" dirty="0"/>
           </a:p>
@@ -14249,14 +14589,14 @@
       </p:sp>
       <p:sp>
         <p:nvSpPr>
-          <p:cNvPr id="17" name="TextBox 16"/>
+          <p:cNvPr id="30" name="TextBox 29"/>
           <p:cNvSpPr txBox="1"/>
           <p:nvPr/>
         </p:nvSpPr>
         <p:spPr>
           <a:xfrm>
-            <a:off x="3563888" y="3212976"/>
-            <a:ext cx="4801314" cy="400110"/>
+            <a:off x="3563888" y="2060848"/>
+            <a:ext cx="4647426" cy="400110"/>
           </a:xfrm>
           <a:prstGeom prst="rect">
             <a:avLst/>
@@ -14299,23 +14639,7 @@
           <a:p>
             <a:r>
               <a:rPr lang="en-US" sz="2000" dirty="0" smtClean="0"/>
-              <a:t>{name</a:t>
-            </a:r>
-            <a:r>
-              <a:rPr lang="en-US" sz="2000" smtClean="0"/>
-              <a:t>: “PERS”, </a:t>
-            </a:r>
-            <a:r>
-              <a:rPr lang="en-US" sz="2000" dirty="0" smtClean="0"/>
-              <a:t>x</a:t>
-            </a:r>
-            <a:r>
-              <a:rPr lang="en-US" sz="2000" smtClean="0"/>
-              <a:t>: 223, y:21.7</a:t>
-            </a:r>
-            <a:r>
-              <a:rPr lang="en-US" sz="2000" dirty="0" smtClean="0"/>
-              <a:t>}</a:t>
+              <a:t>{title: “Moana”, wg:12762232}</a:t>
             </a:r>
             <a:endParaRPr lang="en-US" sz="2000" dirty="0"/>
           </a:p>
@@ -14323,13 +14647,13 @@
       </p:sp>
       <p:sp>
         <p:nvSpPr>
-          <p:cNvPr id="18" name="TextBox 17"/>
+          <p:cNvPr id="31" name="TextBox 30"/>
           <p:cNvSpPr txBox="1"/>
           <p:nvPr/>
         </p:nvSpPr>
         <p:spPr>
           <a:xfrm>
-            <a:off x="3563888" y="3789040"/>
+            <a:off x="3563888" y="2636912"/>
             <a:ext cx="4955203" cy="400110"/>
           </a:xfrm>
           <a:prstGeom prst="rect">
@@ -14373,201 +14697,15 @@
           <a:p>
             <a:r>
               <a:rPr lang="en-US" sz="2000" dirty="0" smtClean="0"/>
-              <a:t>{name: “MAND”, x: 421, y:661.3}</a:t>
-            </a:r>
-            <a:endParaRPr lang="en-US" sz="2000" dirty="0"/>
-          </a:p>
-        </p:txBody>
-      </p:sp>
-      <p:sp>
-        <p:nvSpPr>
-          <p:cNvPr id="19" name="TextBox 18"/>
-          <p:cNvSpPr txBox="1"/>
-          <p:nvPr/>
-        </p:nvSpPr>
-        <p:spPr>
-          <a:xfrm>
-            <a:off x="1456576" y="842809"/>
-            <a:ext cx="1637436" cy="369332"/>
-          </a:xfrm>
-          <a:prstGeom prst="rect">
-            <a:avLst/>
-          </a:prstGeom>
-          <a:noFill/>
-        </p:spPr>
-        <p:txBody>
-          <a:bodyPr wrap="none" rtlCol="0">
-            <a:spAutoFit/>
-          </a:bodyPr>
-          <a:lstStyle/>
-          <a:p>
-            <a:r>
-              <a:rPr lang="en-US" dirty="0" smtClean="0"/>
-              <a:t>DOM-</a:t>
-            </a:r>
-            <a:r>
-              <a:rPr lang="en-US" dirty="0" err="1" smtClean="0"/>
-              <a:t>Elemente</a:t>
-            </a:r>
-            <a:endParaRPr lang="en-US" dirty="0"/>
-          </a:p>
-        </p:txBody>
-      </p:sp>
-      <p:sp>
-        <p:nvSpPr>
-          <p:cNvPr id="20" name="TextBox 19"/>
-          <p:cNvSpPr txBox="1"/>
-          <p:nvPr/>
-        </p:nvSpPr>
-        <p:spPr>
-          <a:xfrm>
-            <a:off x="5068883" y="842809"/>
-            <a:ext cx="1912383" cy="369332"/>
-          </a:xfrm>
-          <a:prstGeom prst="rect">
-            <a:avLst/>
-          </a:prstGeom>
-          <a:noFill/>
-        </p:spPr>
-        <p:txBody>
-          <a:bodyPr wrap="none" rtlCol="0">
-            <a:spAutoFit/>
-          </a:bodyPr>
-          <a:lstStyle/>
-          <a:p>
-            <a:r>
-              <a:rPr lang="en-US" dirty="0" smtClean="0"/>
-              <a:t>JavaScript-</a:t>
-            </a:r>
-            <a:r>
-              <a:rPr lang="en-US" dirty="0" err="1" smtClean="0"/>
-              <a:t>Objekte</a:t>
-            </a:r>
-            <a:endParaRPr lang="en-US" dirty="0"/>
-          </a:p>
-        </p:txBody>
-      </p:sp>
-      <p:sp>
-        <p:nvSpPr>
-          <p:cNvPr id="22" name="TextBox 21"/>
-          <p:cNvSpPr txBox="1"/>
-          <p:nvPr/>
-        </p:nvSpPr>
-        <p:spPr>
-          <a:xfrm>
-            <a:off x="1244531" y="3244914"/>
-            <a:ext cx="2031325" cy="400110"/>
-          </a:xfrm>
-          <a:prstGeom prst="rect">
-            <a:avLst/>
-          </a:prstGeom>
-          <a:solidFill>
-            <a:schemeClr val="bg2"/>
-          </a:solidFill>
-          <a:ln w="57150">
-            <a:solidFill>
-              <a:schemeClr val="bg1"/>
-            </a:solidFill>
-          </a:ln>
-          <a:effectLst>
-            <a:outerShdw blurRad="50800" dist="76200" dir="2700000" algn="tl" rotWithShape="0">
-              <a:prstClr val="black">
-                <a:alpha val="40000"/>
-              </a:prstClr>
-            </a:outerShdw>
-          </a:effectLst>
-        </p:spPr>
-        <p:txBody>
-          <a:bodyPr wrap="none" rtlCol="0">
-            <a:spAutoFit/>
-          </a:bodyPr>
-          <a:lstStyle>
-            <a:defPPr>
-              <a:defRPr lang="de-DE"/>
-            </a:defPPr>
-            <a:lvl1pPr>
-              <a:defRPr sz="1400" b="1">
-                <a:latin typeface="Courier New" charset="0"/>
-                <a:ea typeface="Courier New" charset="0"/>
-                <a:cs typeface="Courier New" charset="0"/>
-              </a:defRPr>
-            </a:lvl1pPr>
-          </a:lstStyle>
-          <a:p>
+              <a:t>{title: “</a:t>
+            </a:r>
+            <a:r>
+              <a:rPr lang="en-US" sz="2000" dirty="0" err="1" smtClean="0"/>
+              <a:t>LaLaLand</a:t>
+            </a:r>
             <a:r>
               <a:rPr lang="en-US" sz="2000" dirty="0" smtClean="0"/>
-              <a:t>&lt;</a:t>
-            </a:r>
-            <a:r>
-              <a:rPr lang="en-US" sz="2000" dirty="0" err="1"/>
-              <a:t>svg:circle</a:t>
-            </a:r>
-            <a:r>
-              <a:rPr lang="en-US" sz="2000" dirty="0" smtClean="0"/>
-              <a:t>&gt;</a:t>
-            </a:r>
-            <a:endParaRPr lang="en-US" sz="2000" dirty="0"/>
-          </a:p>
-        </p:txBody>
-      </p:sp>
-      <p:sp>
-        <p:nvSpPr>
-          <p:cNvPr id="23" name="TextBox 22"/>
-          <p:cNvSpPr txBox="1"/>
-          <p:nvPr/>
-        </p:nvSpPr>
-        <p:spPr>
-          <a:xfrm>
-            <a:off x="1244531" y="3820978"/>
-            <a:ext cx="2031325" cy="400110"/>
-          </a:xfrm>
-          <a:prstGeom prst="rect">
-            <a:avLst/>
-          </a:prstGeom>
-          <a:solidFill>
-            <a:schemeClr val="bg2"/>
-          </a:solidFill>
-          <a:ln w="57150">
-            <a:solidFill>
-              <a:schemeClr val="bg1"/>
-            </a:solidFill>
-          </a:ln>
-          <a:effectLst>
-            <a:outerShdw blurRad="50800" dist="76200" dir="2700000" algn="tl" rotWithShape="0">
-              <a:prstClr val="black">
-                <a:alpha val="40000"/>
-              </a:prstClr>
-            </a:outerShdw>
-          </a:effectLst>
-        </p:spPr>
-        <p:txBody>
-          <a:bodyPr wrap="none" rtlCol="0">
-            <a:spAutoFit/>
-          </a:bodyPr>
-          <a:lstStyle>
-            <a:defPPr>
-              <a:defRPr lang="de-DE"/>
-            </a:defPPr>
-            <a:lvl1pPr>
-              <a:defRPr sz="1400" b="1">
-                <a:latin typeface="Courier New" charset="0"/>
-                <a:ea typeface="Courier New" charset="0"/>
-                <a:cs typeface="Courier New" charset="0"/>
-              </a:defRPr>
-            </a:lvl1pPr>
-          </a:lstStyle>
-          <a:p>
-            <a:r>
-              <a:rPr lang="en-US" sz="2000" dirty="0" smtClean="0"/>
-              <a:t>&lt;</a:t>
-            </a:r>
-            <a:r>
-              <a:rPr lang="en-US" sz="2000" dirty="0" err="1"/>
-              <a:t>svg:circle</a:t>
-            </a:r>
-            <a:r>
-              <a:rPr lang="en-US" sz="2000" dirty="0" smtClean="0"/>
-              <a:t>&gt;</a:t>
+              <a:t>”, wg:4102091}</a:t>
             </a:r>
             <a:endParaRPr lang="en-US" sz="2000" dirty="0"/>
           </a:p>
@@ -14720,14 +14858,82 @@
       </p:pic>
       <p:sp>
         <p:nvSpPr>
-          <p:cNvPr id="7" name="TextBox 6"/>
+          <p:cNvPr id="19" name="TextBox 18"/>
           <p:cNvSpPr txBox="1"/>
           <p:nvPr/>
         </p:nvSpPr>
         <p:spPr>
           <a:xfrm>
-            <a:off x="1259632" y="1484784"/>
-            <a:ext cx="2031325" cy="400110"/>
+            <a:off x="1456576" y="842809"/>
+            <a:ext cx="1637436" cy="369332"/>
+          </a:xfrm>
+          <a:prstGeom prst="rect">
+            <a:avLst/>
+          </a:prstGeom>
+          <a:noFill/>
+        </p:spPr>
+        <p:txBody>
+          <a:bodyPr wrap="none" rtlCol="0">
+            <a:spAutoFit/>
+          </a:bodyPr>
+          <a:lstStyle/>
+          <a:p>
+            <a:r>
+              <a:rPr lang="en-US" dirty="0" smtClean="0"/>
+              <a:t>DOM-</a:t>
+            </a:r>
+            <a:r>
+              <a:rPr lang="en-US" dirty="0" err="1" smtClean="0"/>
+              <a:t>Elemente</a:t>
+            </a:r>
+            <a:endParaRPr lang="en-US" dirty="0"/>
+          </a:p>
+        </p:txBody>
+      </p:sp>
+      <p:sp>
+        <p:nvSpPr>
+          <p:cNvPr id="20" name="TextBox 19"/>
+          <p:cNvSpPr txBox="1"/>
+          <p:nvPr/>
+        </p:nvSpPr>
+        <p:spPr>
+          <a:xfrm>
+            <a:off x="5068883" y="842809"/>
+            <a:ext cx="1912383" cy="369332"/>
+          </a:xfrm>
+          <a:prstGeom prst="rect">
+            <a:avLst/>
+          </a:prstGeom>
+          <a:noFill/>
+        </p:spPr>
+        <p:txBody>
+          <a:bodyPr wrap="none" rtlCol="0">
+            <a:spAutoFit/>
+          </a:bodyPr>
+          <a:lstStyle/>
+          <a:p>
+            <a:r>
+              <a:rPr lang="en-US" dirty="0" smtClean="0"/>
+              <a:t>JavaScript-</a:t>
+            </a:r>
+            <a:r>
+              <a:rPr lang="en-US" dirty="0" err="1" smtClean="0"/>
+              <a:t>Objekte</a:t>
+            </a:r>
+            <a:endParaRPr lang="en-US" dirty="0"/>
+          </a:p>
+        </p:txBody>
+      </p:sp>
+      <p:sp>
+        <p:nvSpPr>
+          <p:cNvPr id="24" name="TextBox 23"/>
+          <p:cNvSpPr txBox="1"/>
+          <p:nvPr/>
+        </p:nvSpPr>
+        <p:spPr>
+          <a:xfrm>
+            <a:off x="1244531" y="3244914"/>
+            <a:ext cx="1107996" cy="400110"/>
           </a:xfrm>
           <a:prstGeom prst="rect">
             <a:avLst/>
@@ -14770,8 +14976,8 @@
               <a:t>&lt;</a:t>
             </a:r>
             <a:r>
-              <a:rPr lang="en-US" sz="2000" dirty="0" err="1"/>
-              <a:t>svg:circle</a:t>
+              <a:rPr lang="en-US" sz="2000" dirty="0" err="1" smtClean="0"/>
+              <a:t>rect</a:t>
             </a:r>
             <a:r>
               <a:rPr lang="en-US" sz="2000" dirty="0" smtClean="0"/>
@@ -14783,14 +14989,14 @@
       </p:sp>
       <p:sp>
         <p:nvSpPr>
-          <p:cNvPr id="8" name="TextBox 7"/>
+          <p:cNvPr id="25" name="TextBox 24"/>
           <p:cNvSpPr txBox="1"/>
           <p:nvPr/>
         </p:nvSpPr>
         <p:spPr>
           <a:xfrm>
-            <a:off x="1259632" y="2060848"/>
-            <a:ext cx="2031325" cy="400110"/>
+            <a:off x="1244531" y="3820978"/>
+            <a:ext cx="1107996" cy="400110"/>
           </a:xfrm>
           <a:prstGeom prst="rect">
             <a:avLst/>
@@ -14833,8 +15039,8 @@
               <a:t>&lt;</a:t>
             </a:r>
             <a:r>
-              <a:rPr lang="en-US" sz="2000" dirty="0" err="1"/>
-              <a:t>svg:circle</a:t>
+              <a:rPr lang="en-US" sz="2000" dirty="0" err="1" smtClean="0"/>
+              <a:t>rect</a:t>
             </a:r>
             <a:r>
               <a:rPr lang="en-US" sz="2000" dirty="0" smtClean="0"/>
@@ -14846,77 +15052,14 @@
       </p:sp>
       <p:sp>
         <p:nvSpPr>
-          <p:cNvPr id="9" name="TextBox 8"/>
+          <p:cNvPr id="26" name="TextBox 25"/>
           <p:cNvSpPr txBox="1"/>
           <p:nvPr/>
         </p:nvSpPr>
         <p:spPr>
           <a:xfrm>
-            <a:off x="1259632" y="2636912"/>
-            <a:ext cx="2031325" cy="400110"/>
-          </a:xfrm>
-          <a:prstGeom prst="rect">
-            <a:avLst/>
-          </a:prstGeom>
-          <a:solidFill>
-            <a:schemeClr val="bg2"/>
-          </a:solidFill>
-          <a:ln w="57150">
-            <a:solidFill>
-              <a:schemeClr val="bg1"/>
-            </a:solidFill>
-          </a:ln>
-          <a:effectLst>
-            <a:outerShdw blurRad="50800" dist="76200" dir="2700000" algn="tl" rotWithShape="0">
-              <a:prstClr val="black">
-                <a:alpha val="40000"/>
-              </a:prstClr>
-            </a:outerShdw>
-          </a:effectLst>
-        </p:spPr>
-        <p:txBody>
-          <a:bodyPr wrap="none" rtlCol="0">
-            <a:spAutoFit/>
-          </a:bodyPr>
-          <a:lstStyle>
-            <a:defPPr>
-              <a:defRPr lang="de-DE"/>
-            </a:defPPr>
-            <a:lvl1pPr>
-              <a:defRPr sz="1400" b="1">
-                <a:latin typeface="Courier New" charset="0"/>
-                <a:ea typeface="Courier New" charset="0"/>
-                <a:cs typeface="Courier New" charset="0"/>
-              </a:defRPr>
-            </a:lvl1pPr>
-          </a:lstStyle>
-          <a:p>
-            <a:r>
-              <a:rPr lang="en-US" sz="2000" dirty="0" smtClean="0"/>
-              <a:t>&lt;</a:t>
-            </a:r>
-            <a:r>
-              <a:rPr lang="en-US" sz="2000" dirty="0" err="1"/>
-              <a:t>svg:circle</a:t>
-            </a:r>
-            <a:r>
-              <a:rPr lang="en-US" sz="2000" dirty="0" smtClean="0"/>
-              <a:t>&gt;</a:t>
-            </a:r>
-            <a:endParaRPr lang="en-US" sz="2000" dirty="0"/>
-          </a:p>
-        </p:txBody>
-      </p:sp>
-      <p:sp>
-        <p:nvSpPr>
-          <p:cNvPr id="11" name="TextBox 10"/>
-          <p:cNvSpPr txBox="1"/>
-          <p:nvPr/>
-        </p:nvSpPr>
-        <p:spPr>
-          <a:xfrm>
-            <a:off x="3563888" y="1484784"/>
-            <a:ext cx="5109091" cy="400110"/>
+            <a:off x="3563888" y="3212976"/>
+            <a:ext cx="4647426" cy="400110"/>
           </a:xfrm>
           <a:prstGeom prst="rect">
             <a:avLst/>
@@ -14958,8 +15101,8 @@
           </a:lstStyle>
           <a:p>
             <a:r>
-              <a:rPr lang="en-US" sz="2000" smtClean="0"/>
-              <a:t>{name: “FOMA”, x: 12.2, y:889.1}</a:t>
+              <a:rPr lang="en-US" sz="2000" dirty="0" smtClean="0"/>
+              <a:t>{title: “Fences”, wg:6688105}</a:t>
             </a:r>
             <a:endParaRPr lang="en-US" sz="2000" dirty="0"/>
           </a:p>
@@ -14967,14 +15110,14 @@
       </p:sp>
       <p:sp>
         <p:nvSpPr>
-          <p:cNvPr id="15" name="TextBox 14"/>
+          <p:cNvPr id="27" name="TextBox 26"/>
           <p:cNvSpPr txBox="1"/>
           <p:nvPr/>
         </p:nvSpPr>
         <p:spPr>
           <a:xfrm>
-            <a:off x="3563888" y="2060848"/>
-            <a:ext cx="4955203" cy="400110"/>
+            <a:off x="3563888" y="3789040"/>
+            <a:ext cx="5109091" cy="400110"/>
           </a:xfrm>
           <a:prstGeom prst="rect">
             <a:avLst/>
@@ -15017,7 +15160,7 @@
           <a:p>
             <a:r>
               <a:rPr lang="en-US" sz="2000" dirty="0" smtClean="0"/>
-              <a:t>{name: “AUSW”, x: 112.2, y:9.3}</a:t>
+              <a:t>{title: “Why Him?”, wg:11002968}</a:t>
             </a:r>
             <a:endParaRPr lang="en-US" sz="2000" dirty="0"/>
           </a:p>
@@ -15025,14 +15168,203 @@
       </p:sp>
       <p:sp>
         <p:nvSpPr>
-          <p:cNvPr id="16" name="TextBox 15"/>
+          <p:cNvPr id="28" name="TextBox 27"/>
           <p:cNvSpPr txBox="1"/>
           <p:nvPr/>
         </p:nvSpPr>
         <p:spPr>
           <a:xfrm>
-            <a:off x="3563888" y="2636912"/>
-            <a:ext cx="4647426" cy="400110"/>
+            <a:off x="1259632" y="1484784"/>
+            <a:ext cx="1107996" cy="400110"/>
+          </a:xfrm>
+          <a:prstGeom prst="rect">
+            <a:avLst/>
+          </a:prstGeom>
+          <a:solidFill>
+            <a:schemeClr val="bg2"/>
+          </a:solidFill>
+          <a:ln w="57150">
+            <a:solidFill>
+              <a:schemeClr val="bg1"/>
+            </a:solidFill>
+          </a:ln>
+          <a:effectLst>
+            <a:outerShdw blurRad="50800" dist="76200" dir="2700000" algn="tl" rotWithShape="0">
+              <a:prstClr val="black">
+                <a:alpha val="40000"/>
+              </a:prstClr>
+            </a:outerShdw>
+          </a:effectLst>
+        </p:spPr>
+        <p:txBody>
+          <a:bodyPr wrap="none" rtlCol="0">
+            <a:spAutoFit/>
+          </a:bodyPr>
+          <a:lstStyle>
+            <a:defPPr>
+              <a:defRPr lang="de-DE"/>
+            </a:defPPr>
+            <a:lvl1pPr>
+              <a:defRPr sz="1400" b="1">
+                <a:latin typeface="Courier New" charset="0"/>
+                <a:ea typeface="Courier New" charset="0"/>
+                <a:cs typeface="Courier New" charset="0"/>
+              </a:defRPr>
+            </a:lvl1pPr>
+          </a:lstStyle>
+          <a:p>
+            <a:r>
+              <a:rPr lang="en-US" sz="2000" dirty="0" smtClean="0"/>
+              <a:t>&lt;</a:t>
+            </a:r>
+            <a:r>
+              <a:rPr lang="en-US" sz="2000" dirty="0" err="1" smtClean="0"/>
+              <a:t>rect</a:t>
+            </a:r>
+            <a:r>
+              <a:rPr lang="en-US" sz="2000" dirty="0" smtClean="0"/>
+              <a:t>&gt;</a:t>
+            </a:r>
+            <a:endParaRPr lang="en-US" sz="2000" dirty="0"/>
+          </a:p>
+        </p:txBody>
+      </p:sp>
+      <p:sp>
+        <p:nvSpPr>
+          <p:cNvPr id="29" name="TextBox 28"/>
+          <p:cNvSpPr txBox="1"/>
+          <p:nvPr/>
+        </p:nvSpPr>
+        <p:spPr>
+          <a:xfrm>
+            <a:off x="1259632" y="2060848"/>
+            <a:ext cx="1107996" cy="400110"/>
+          </a:xfrm>
+          <a:prstGeom prst="rect">
+            <a:avLst/>
+          </a:prstGeom>
+          <a:solidFill>
+            <a:schemeClr val="bg2"/>
+          </a:solidFill>
+          <a:ln w="57150">
+            <a:solidFill>
+              <a:schemeClr val="bg1"/>
+            </a:solidFill>
+          </a:ln>
+          <a:effectLst>
+            <a:outerShdw blurRad="50800" dist="76200" dir="2700000" algn="tl" rotWithShape="0">
+              <a:prstClr val="black">
+                <a:alpha val="40000"/>
+              </a:prstClr>
+            </a:outerShdw>
+          </a:effectLst>
+        </p:spPr>
+        <p:txBody>
+          <a:bodyPr wrap="none" rtlCol="0">
+            <a:spAutoFit/>
+          </a:bodyPr>
+          <a:lstStyle>
+            <a:defPPr>
+              <a:defRPr lang="de-DE"/>
+            </a:defPPr>
+            <a:lvl1pPr>
+              <a:defRPr sz="1400" b="1">
+                <a:latin typeface="Courier New" charset="0"/>
+                <a:ea typeface="Courier New" charset="0"/>
+                <a:cs typeface="Courier New" charset="0"/>
+              </a:defRPr>
+            </a:lvl1pPr>
+          </a:lstStyle>
+          <a:p>
+            <a:r>
+              <a:rPr lang="en-US" sz="2000" dirty="0" smtClean="0"/>
+              <a:t>&lt;</a:t>
+            </a:r>
+            <a:r>
+              <a:rPr lang="en-US" sz="2000" dirty="0" err="1" smtClean="0"/>
+              <a:t>rect</a:t>
+            </a:r>
+            <a:r>
+              <a:rPr lang="en-US" sz="2000" dirty="0" smtClean="0"/>
+              <a:t>&gt;</a:t>
+            </a:r>
+            <a:endParaRPr lang="en-US" sz="2000" dirty="0"/>
+          </a:p>
+        </p:txBody>
+      </p:sp>
+      <p:sp>
+        <p:nvSpPr>
+          <p:cNvPr id="30" name="TextBox 29"/>
+          <p:cNvSpPr txBox="1"/>
+          <p:nvPr/>
+        </p:nvSpPr>
+        <p:spPr>
+          <a:xfrm>
+            <a:off x="1259632" y="2636912"/>
+            <a:ext cx="1107996" cy="400110"/>
+          </a:xfrm>
+          <a:prstGeom prst="rect">
+            <a:avLst/>
+          </a:prstGeom>
+          <a:solidFill>
+            <a:schemeClr val="bg2"/>
+          </a:solidFill>
+          <a:ln w="57150">
+            <a:solidFill>
+              <a:schemeClr val="bg1"/>
+            </a:solidFill>
+          </a:ln>
+          <a:effectLst>
+            <a:outerShdw blurRad="50800" dist="76200" dir="2700000" algn="tl" rotWithShape="0">
+              <a:prstClr val="black">
+                <a:alpha val="40000"/>
+              </a:prstClr>
+            </a:outerShdw>
+          </a:effectLst>
+        </p:spPr>
+        <p:txBody>
+          <a:bodyPr wrap="none" rtlCol="0">
+            <a:spAutoFit/>
+          </a:bodyPr>
+          <a:lstStyle>
+            <a:defPPr>
+              <a:defRPr lang="de-DE"/>
+            </a:defPPr>
+            <a:lvl1pPr>
+              <a:defRPr sz="1400" b="1">
+                <a:latin typeface="Courier New" charset="0"/>
+                <a:ea typeface="Courier New" charset="0"/>
+                <a:cs typeface="Courier New" charset="0"/>
+              </a:defRPr>
+            </a:lvl1pPr>
+          </a:lstStyle>
+          <a:p>
+            <a:r>
+              <a:rPr lang="en-US" sz="2000" dirty="0" smtClean="0"/>
+              <a:t>&lt;</a:t>
+            </a:r>
+            <a:r>
+              <a:rPr lang="en-US" sz="2000" dirty="0" err="1" smtClean="0"/>
+              <a:t>rect</a:t>
+            </a:r>
+            <a:r>
+              <a:rPr lang="en-US" sz="2000" dirty="0" smtClean="0"/>
+              <a:t>&gt;</a:t>
+            </a:r>
+            <a:endParaRPr lang="en-US" sz="2000" dirty="0"/>
+          </a:p>
+        </p:txBody>
+      </p:sp>
+      <p:sp>
+        <p:nvSpPr>
+          <p:cNvPr id="31" name="TextBox 30"/>
+          <p:cNvSpPr txBox="1"/>
+          <p:nvPr/>
+        </p:nvSpPr>
+        <p:spPr>
+          <a:xfrm>
+            <a:off x="3563888" y="1484784"/>
+            <a:ext cx="5416868" cy="400110"/>
           </a:xfrm>
           <a:prstGeom prst="rect">
             <a:avLst/>
@@ -15075,19 +15407,7 @@
           <a:p>
             <a:r>
               <a:rPr lang="en-US" sz="2000" dirty="0" smtClean="0"/>
-              <a:t>{name</a:t>
-            </a:r>
-            <a:r>
-              <a:rPr lang="en-US" sz="2000" smtClean="0"/>
-              <a:t>: “BUHA”, </a:t>
-            </a:r>
-            <a:r>
-              <a:rPr lang="en-US" sz="2000" dirty="0" smtClean="0"/>
-              <a:t>x</a:t>
-            </a:r>
-            <a:r>
-              <a:rPr lang="en-US" sz="2000" smtClean="0"/>
-              <a:t>: 43, y:91.7}</a:t>
+              <a:t>{title: “Rogue One”, wg:155081681}</a:t>
             </a:r>
             <a:endParaRPr lang="en-US" sz="2000" dirty="0"/>
           </a:p>
@@ -15095,14 +15415,14 @@
       </p:sp>
       <p:sp>
         <p:nvSpPr>
-          <p:cNvPr id="17" name="TextBox 16"/>
+          <p:cNvPr id="32" name="TextBox 31"/>
           <p:cNvSpPr txBox="1"/>
           <p:nvPr/>
         </p:nvSpPr>
         <p:spPr>
           <a:xfrm>
-            <a:off x="3563888" y="3212976"/>
-            <a:ext cx="4801314" cy="400110"/>
+            <a:off x="3563888" y="2060848"/>
+            <a:ext cx="4647426" cy="400110"/>
           </a:xfrm>
           <a:prstGeom prst="rect">
             <a:avLst/>
@@ -15145,23 +15465,7 @@
           <a:p>
             <a:r>
               <a:rPr lang="en-US" sz="2000" dirty="0" smtClean="0"/>
-              <a:t>{name</a:t>
-            </a:r>
-            <a:r>
-              <a:rPr lang="en-US" sz="2000" smtClean="0"/>
-              <a:t>: “PERS”, </a:t>
-            </a:r>
-            <a:r>
-              <a:rPr lang="en-US" sz="2000" dirty="0" smtClean="0"/>
-              <a:t>x</a:t>
-            </a:r>
-            <a:r>
-              <a:rPr lang="en-US" sz="2000" smtClean="0"/>
-              <a:t>: 223, y:21.7</a:t>
-            </a:r>
-            <a:r>
-              <a:rPr lang="en-US" sz="2000" dirty="0" smtClean="0"/>
-              <a:t>}</a:t>
+              <a:t>{title: “Moana”, wg:12762232}</a:t>
             </a:r>
             <a:endParaRPr lang="en-US" sz="2000" dirty="0"/>
           </a:p>
@@ -15169,13 +15473,13 @@
       </p:sp>
       <p:sp>
         <p:nvSpPr>
-          <p:cNvPr id="18" name="TextBox 17"/>
+          <p:cNvPr id="33" name="TextBox 32"/>
           <p:cNvSpPr txBox="1"/>
           <p:nvPr/>
         </p:nvSpPr>
         <p:spPr>
           <a:xfrm>
-            <a:off x="3563888" y="3789040"/>
+            <a:off x="3563888" y="2636912"/>
             <a:ext cx="4955203" cy="400110"/>
           </a:xfrm>
           <a:prstGeom prst="rect">
@@ -15219,201 +15523,15 @@
           <a:p>
             <a:r>
               <a:rPr lang="en-US" sz="2000" dirty="0" smtClean="0"/>
-              <a:t>{name: “MAND”, x: 421, y:661.3}</a:t>
-            </a:r>
-            <a:endParaRPr lang="en-US" sz="2000" dirty="0"/>
-          </a:p>
-        </p:txBody>
-      </p:sp>
-      <p:sp>
-        <p:nvSpPr>
-          <p:cNvPr id="19" name="TextBox 18"/>
-          <p:cNvSpPr txBox="1"/>
-          <p:nvPr/>
-        </p:nvSpPr>
-        <p:spPr>
-          <a:xfrm>
-            <a:off x="1456576" y="842809"/>
-            <a:ext cx="1637436" cy="369332"/>
-          </a:xfrm>
-          <a:prstGeom prst="rect">
-            <a:avLst/>
-          </a:prstGeom>
-          <a:noFill/>
-        </p:spPr>
-        <p:txBody>
-          <a:bodyPr wrap="none" rtlCol="0">
-            <a:spAutoFit/>
-          </a:bodyPr>
-          <a:lstStyle/>
-          <a:p>
-            <a:r>
-              <a:rPr lang="en-US" dirty="0" smtClean="0"/>
-              <a:t>DOM-</a:t>
-            </a:r>
-            <a:r>
-              <a:rPr lang="en-US" dirty="0" err="1" smtClean="0"/>
-              <a:t>Elemente</a:t>
-            </a:r>
-            <a:endParaRPr lang="en-US" dirty="0"/>
-          </a:p>
-        </p:txBody>
-      </p:sp>
-      <p:sp>
-        <p:nvSpPr>
-          <p:cNvPr id="20" name="TextBox 19"/>
-          <p:cNvSpPr txBox="1"/>
-          <p:nvPr/>
-        </p:nvSpPr>
-        <p:spPr>
-          <a:xfrm>
-            <a:off x="5068883" y="842809"/>
-            <a:ext cx="1912383" cy="369332"/>
-          </a:xfrm>
-          <a:prstGeom prst="rect">
-            <a:avLst/>
-          </a:prstGeom>
-          <a:noFill/>
-        </p:spPr>
-        <p:txBody>
-          <a:bodyPr wrap="none" rtlCol="0">
-            <a:spAutoFit/>
-          </a:bodyPr>
-          <a:lstStyle/>
-          <a:p>
-            <a:r>
-              <a:rPr lang="en-US" dirty="0" smtClean="0"/>
-              <a:t>JavaScript-</a:t>
-            </a:r>
-            <a:r>
-              <a:rPr lang="en-US" dirty="0" err="1" smtClean="0"/>
-              <a:t>Objekte</a:t>
-            </a:r>
-            <a:endParaRPr lang="en-US" dirty="0"/>
-          </a:p>
-        </p:txBody>
-      </p:sp>
-      <p:sp>
-        <p:nvSpPr>
-          <p:cNvPr id="22" name="TextBox 21"/>
-          <p:cNvSpPr txBox="1"/>
-          <p:nvPr/>
-        </p:nvSpPr>
-        <p:spPr>
-          <a:xfrm>
-            <a:off x="1244531" y="3244914"/>
-            <a:ext cx="2031325" cy="400110"/>
-          </a:xfrm>
-          <a:prstGeom prst="rect">
-            <a:avLst/>
-          </a:prstGeom>
-          <a:solidFill>
-            <a:schemeClr val="bg2"/>
-          </a:solidFill>
-          <a:ln w="57150">
-            <a:solidFill>
-              <a:schemeClr val="bg1"/>
-            </a:solidFill>
-          </a:ln>
-          <a:effectLst>
-            <a:outerShdw blurRad="50800" dist="76200" dir="2700000" algn="tl" rotWithShape="0">
-              <a:prstClr val="black">
-                <a:alpha val="40000"/>
-              </a:prstClr>
-            </a:outerShdw>
-          </a:effectLst>
-        </p:spPr>
-        <p:txBody>
-          <a:bodyPr wrap="none" rtlCol="0">
-            <a:spAutoFit/>
-          </a:bodyPr>
-          <a:lstStyle>
-            <a:defPPr>
-              <a:defRPr lang="de-DE"/>
-            </a:defPPr>
-            <a:lvl1pPr>
-              <a:defRPr sz="1400" b="1">
-                <a:latin typeface="Courier New" charset="0"/>
-                <a:ea typeface="Courier New" charset="0"/>
-                <a:cs typeface="Courier New" charset="0"/>
-              </a:defRPr>
-            </a:lvl1pPr>
-          </a:lstStyle>
-          <a:p>
+              <a:t>{title: “</a:t>
+            </a:r>
+            <a:r>
+              <a:rPr lang="en-US" sz="2000" dirty="0" err="1" smtClean="0"/>
+              <a:t>LaLaLand</a:t>
+            </a:r>
             <a:r>
               <a:rPr lang="en-US" sz="2000" dirty="0" smtClean="0"/>
-              <a:t>&lt;</a:t>
-            </a:r>
-            <a:r>
-              <a:rPr lang="en-US" sz="2000" dirty="0" err="1"/>
-              <a:t>svg:circle</a:t>
-            </a:r>
-            <a:r>
-              <a:rPr lang="en-US" sz="2000" dirty="0" smtClean="0"/>
-              <a:t>&gt;</a:t>
-            </a:r>
-            <a:endParaRPr lang="en-US" sz="2000" dirty="0"/>
-          </a:p>
-        </p:txBody>
-      </p:sp>
-      <p:sp>
-        <p:nvSpPr>
-          <p:cNvPr id="23" name="TextBox 22"/>
-          <p:cNvSpPr txBox="1"/>
-          <p:nvPr/>
-        </p:nvSpPr>
-        <p:spPr>
-          <a:xfrm>
-            <a:off x="1244531" y="3820978"/>
-            <a:ext cx="2031325" cy="400110"/>
-          </a:xfrm>
-          <a:prstGeom prst="rect">
-            <a:avLst/>
-          </a:prstGeom>
-          <a:solidFill>
-            <a:schemeClr val="bg2"/>
-          </a:solidFill>
-          <a:ln w="57150">
-            <a:solidFill>
-              <a:schemeClr val="bg1"/>
-            </a:solidFill>
-          </a:ln>
-          <a:effectLst>
-            <a:outerShdw blurRad="50800" dist="76200" dir="2700000" algn="tl" rotWithShape="0">
-              <a:prstClr val="black">
-                <a:alpha val="40000"/>
-              </a:prstClr>
-            </a:outerShdw>
-          </a:effectLst>
-        </p:spPr>
-        <p:txBody>
-          <a:bodyPr wrap="none" rtlCol="0">
-            <a:spAutoFit/>
-          </a:bodyPr>
-          <a:lstStyle>
-            <a:defPPr>
-              <a:defRPr lang="de-DE"/>
-            </a:defPPr>
-            <a:lvl1pPr>
-              <a:defRPr sz="1400" b="1">
-                <a:latin typeface="Courier New" charset="0"/>
-                <a:ea typeface="Courier New" charset="0"/>
-                <a:cs typeface="Courier New" charset="0"/>
-              </a:defRPr>
-            </a:lvl1pPr>
-          </a:lstStyle>
-          <a:p>
-            <a:r>
-              <a:rPr lang="en-US" sz="2000" dirty="0" smtClean="0"/>
-              <a:t>&lt;</a:t>
-            </a:r>
-            <a:r>
-              <a:rPr lang="en-US" sz="2000" dirty="0" err="1"/>
-              <a:t>svg:circle</a:t>
-            </a:r>
-            <a:r>
-              <a:rPr lang="en-US" sz="2000" dirty="0" smtClean="0"/>
-              <a:t>&gt;</a:t>
+              <a:t>”, wg:4102091}</a:t>
             </a:r>
             <a:endParaRPr lang="en-US" sz="2000" dirty="0"/>
           </a:p>
@@ -15566,14 +15684,82 @@
       </p:pic>
       <p:sp>
         <p:nvSpPr>
-          <p:cNvPr id="7" name="TextBox 6"/>
+          <p:cNvPr id="19" name="TextBox 18"/>
           <p:cNvSpPr txBox="1"/>
           <p:nvPr/>
         </p:nvSpPr>
         <p:spPr>
           <a:xfrm>
-            <a:off x="1259632" y="1484784"/>
-            <a:ext cx="2031325" cy="400110"/>
+            <a:off x="1456576" y="842809"/>
+            <a:ext cx="1637436" cy="369332"/>
+          </a:xfrm>
+          <a:prstGeom prst="rect">
+            <a:avLst/>
+          </a:prstGeom>
+          <a:noFill/>
+        </p:spPr>
+        <p:txBody>
+          <a:bodyPr wrap="none" rtlCol="0">
+            <a:spAutoFit/>
+          </a:bodyPr>
+          <a:lstStyle/>
+          <a:p>
+            <a:r>
+              <a:rPr lang="en-US" dirty="0" smtClean="0"/>
+              <a:t>DOM-</a:t>
+            </a:r>
+            <a:r>
+              <a:rPr lang="en-US" dirty="0" err="1" smtClean="0"/>
+              <a:t>Elemente</a:t>
+            </a:r>
+            <a:endParaRPr lang="en-US" dirty="0"/>
+          </a:p>
+        </p:txBody>
+      </p:sp>
+      <p:sp>
+        <p:nvSpPr>
+          <p:cNvPr id="20" name="TextBox 19"/>
+          <p:cNvSpPr txBox="1"/>
+          <p:nvPr/>
+        </p:nvSpPr>
+        <p:spPr>
+          <a:xfrm>
+            <a:off x="5068883" y="842809"/>
+            <a:ext cx="1912383" cy="369332"/>
+          </a:xfrm>
+          <a:prstGeom prst="rect">
+            <a:avLst/>
+          </a:prstGeom>
+          <a:noFill/>
+        </p:spPr>
+        <p:txBody>
+          <a:bodyPr wrap="none" rtlCol="0">
+            <a:spAutoFit/>
+          </a:bodyPr>
+          <a:lstStyle/>
+          <a:p>
+            <a:r>
+              <a:rPr lang="en-US" dirty="0" smtClean="0"/>
+              <a:t>JavaScript-</a:t>
+            </a:r>
+            <a:r>
+              <a:rPr lang="en-US" dirty="0" err="1" smtClean="0"/>
+              <a:t>Objekte</a:t>
+            </a:r>
+            <a:endParaRPr lang="en-US" dirty="0"/>
+          </a:p>
+        </p:txBody>
+      </p:sp>
+      <p:sp>
+        <p:nvSpPr>
+          <p:cNvPr id="17" name="TextBox 16"/>
+          <p:cNvSpPr txBox="1"/>
+          <p:nvPr/>
+        </p:nvSpPr>
+        <p:spPr>
+          <a:xfrm>
+            <a:off x="1244531" y="3244914"/>
+            <a:ext cx="1107996" cy="400110"/>
           </a:xfrm>
           <a:prstGeom prst="rect">
             <a:avLst/>
@@ -15616,8 +15802,8 @@
               <a:t>&lt;</a:t>
             </a:r>
             <a:r>
-              <a:rPr lang="en-US" sz="2000" dirty="0" err="1"/>
-              <a:t>svg:circle</a:t>
+              <a:rPr lang="en-US" sz="2000" dirty="0" err="1" smtClean="0"/>
+              <a:t>rect</a:t>
             </a:r>
             <a:r>
               <a:rPr lang="en-US" sz="2000" dirty="0" smtClean="0"/>
@@ -15629,14 +15815,14 @@
       </p:sp>
       <p:sp>
         <p:nvSpPr>
-          <p:cNvPr id="8" name="TextBox 7"/>
+          <p:cNvPr id="18" name="TextBox 17"/>
           <p:cNvSpPr txBox="1"/>
           <p:nvPr/>
         </p:nvSpPr>
         <p:spPr>
           <a:xfrm>
-            <a:off x="1259632" y="2060848"/>
-            <a:ext cx="2031325" cy="400110"/>
+            <a:off x="1244531" y="3820978"/>
+            <a:ext cx="1107996" cy="400110"/>
           </a:xfrm>
           <a:prstGeom prst="rect">
             <a:avLst/>
@@ -15679,8 +15865,8 @@
               <a:t>&lt;</a:t>
             </a:r>
             <a:r>
-              <a:rPr lang="en-US" sz="2000" dirty="0" err="1"/>
-              <a:t>svg:circle</a:t>
+              <a:rPr lang="en-US" sz="2000" dirty="0" err="1" smtClean="0"/>
+              <a:t>rect</a:t>
             </a:r>
             <a:r>
               <a:rPr lang="en-US" sz="2000" dirty="0" smtClean="0"/>
@@ -15692,14 +15878,14 @@
       </p:sp>
       <p:sp>
         <p:nvSpPr>
-          <p:cNvPr id="9" name="TextBox 8"/>
+          <p:cNvPr id="26" name="TextBox 25"/>
           <p:cNvSpPr txBox="1"/>
           <p:nvPr/>
         </p:nvSpPr>
         <p:spPr>
           <a:xfrm>
-            <a:off x="1259632" y="2636912"/>
-            <a:ext cx="2031325" cy="400110"/>
+            <a:off x="1259632" y="1484784"/>
+            <a:ext cx="1107996" cy="400110"/>
           </a:xfrm>
           <a:prstGeom prst="rect">
             <a:avLst/>
@@ -15742,8 +15928,8 @@
               <a:t>&lt;</a:t>
             </a:r>
             <a:r>
-              <a:rPr lang="en-US" sz="2000" dirty="0" err="1"/>
-              <a:t>svg:circle</a:t>
+              <a:rPr lang="en-US" sz="2000" dirty="0" err="1" smtClean="0"/>
+              <a:t>rect</a:t>
             </a:r>
             <a:r>
               <a:rPr lang="en-US" sz="2000" dirty="0" smtClean="0"/>
@@ -15755,14 +15941,140 @@
       </p:sp>
       <p:sp>
         <p:nvSpPr>
-          <p:cNvPr id="11" name="TextBox 10"/>
+          <p:cNvPr id="27" name="TextBox 26"/>
           <p:cNvSpPr txBox="1"/>
           <p:nvPr/>
         </p:nvSpPr>
         <p:spPr>
           <a:xfrm>
+            <a:off x="1259632" y="2060848"/>
+            <a:ext cx="1107996" cy="400110"/>
+          </a:xfrm>
+          <a:prstGeom prst="rect">
+            <a:avLst/>
+          </a:prstGeom>
+          <a:solidFill>
+            <a:schemeClr val="bg2"/>
+          </a:solidFill>
+          <a:ln w="57150">
+            <a:solidFill>
+              <a:schemeClr val="bg1"/>
+            </a:solidFill>
+          </a:ln>
+          <a:effectLst>
+            <a:outerShdw blurRad="50800" dist="76200" dir="2700000" algn="tl" rotWithShape="0">
+              <a:prstClr val="black">
+                <a:alpha val="40000"/>
+              </a:prstClr>
+            </a:outerShdw>
+          </a:effectLst>
+        </p:spPr>
+        <p:txBody>
+          <a:bodyPr wrap="none" rtlCol="0">
+            <a:spAutoFit/>
+          </a:bodyPr>
+          <a:lstStyle>
+            <a:defPPr>
+              <a:defRPr lang="de-DE"/>
+            </a:defPPr>
+            <a:lvl1pPr>
+              <a:defRPr sz="1400" b="1">
+                <a:latin typeface="Courier New" charset="0"/>
+                <a:ea typeface="Courier New" charset="0"/>
+                <a:cs typeface="Courier New" charset="0"/>
+              </a:defRPr>
+            </a:lvl1pPr>
+          </a:lstStyle>
+          <a:p>
+            <a:r>
+              <a:rPr lang="en-US" sz="2000" dirty="0" smtClean="0"/>
+              <a:t>&lt;</a:t>
+            </a:r>
+            <a:r>
+              <a:rPr lang="en-US" sz="2000" dirty="0" err="1" smtClean="0"/>
+              <a:t>rect</a:t>
+            </a:r>
+            <a:r>
+              <a:rPr lang="en-US" sz="2000" dirty="0" smtClean="0"/>
+              <a:t>&gt;</a:t>
+            </a:r>
+            <a:endParaRPr lang="en-US" sz="2000" dirty="0"/>
+          </a:p>
+        </p:txBody>
+      </p:sp>
+      <p:sp>
+        <p:nvSpPr>
+          <p:cNvPr id="28" name="TextBox 27"/>
+          <p:cNvSpPr txBox="1"/>
+          <p:nvPr/>
+        </p:nvSpPr>
+        <p:spPr>
+          <a:xfrm>
+            <a:off x="1259632" y="2636912"/>
+            <a:ext cx="1107996" cy="400110"/>
+          </a:xfrm>
+          <a:prstGeom prst="rect">
+            <a:avLst/>
+          </a:prstGeom>
+          <a:solidFill>
+            <a:schemeClr val="bg2"/>
+          </a:solidFill>
+          <a:ln w="57150">
+            <a:solidFill>
+              <a:schemeClr val="bg1"/>
+            </a:solidFill>
+          </a:ln>
+          <a:effectLst>
+            <a:outerShdw blurRad="50800" dist="76200" dir="2700000" algn="tl" rotWithShape="0">
+              <a:prstClr val="black">
+                <a:alpha val="40000"/>
+              </a:prstClr>
+            </a:outerShdw>
+          </a:effectLst>
+        </p:spPr>
+        <p:txBody>
+          <a:bodyPr wrap="none" rtlCol="0">
+            <a:spAutoFit/>
+          </a:bodyPr>
+          <a:lstStyle>
+            <a:defPPr>
+              <a:defRPr lang="de-DE"/>
+            </a:defPPr>
+            <a:lvl1pPr>
+              <a:defRPr sz="1400" b="1">
+                <a:latin typeface="Courier New" charset="0"/>
+                <a:ea typeface="Courier New" charset="0"/>
+                <a:cs typeface="Courier New" charset="0"/>
+              </a:defRPr>
+            </a:lvl1pPr>
+          </a:lstStyle>
+          <a:p>
+            <a:r>
+              <a:rPr lang="en-US" sz="2000" dirty="0" smtClean="0"/>
+              <a:t>&lt;</a:t>
+            </a:r>
+            <a:r>
+              <a:rPr lang="en-US" sz="2000" dirty="0" err="1" smtClean="0"/>
+              <a:t>rect</a:t>
+            </a:r>
+            <a:r>
+              <a:rPr lang="en-US" sz="2000" dirty="0" smtClean="0"/>
+              <a:t>&gt;</a:t>
+            </a:r>
+            <a:endParaRPr lang="en-US" sz="2000" dirty="0"/>
+          </a:p>
+        </p:txBody>
+      </p:sp>
+      <p:sp>
+        <p:nvSpPr>
+          <p:cNvPr id="29" name="TextBox 28"/>
+          <p:cNvSpPr txBox="1"/>
+          <p:nvPr/>
+        </p:nvSpPr>
+        <p:spPr>
+          <a:xfrm>
             <a:off x="3563888" y="1484784"/>
-            <a:ext cx="5109091" cy="400110"/>
+            <a:ext cx="5416868" cy="400110"/>
           </a:xfrm>
           <a:prstGeom prst="rect">
             <a:avLst/>
@@ -15804,8 +16116,8 @@
           </a:lstStyle>
           <a:p>
             <a:r>
-              <a:rPr lang="en-US" sz="2000" smtClean="0"/>
-              <a:t>{name: “FOMA”, x: 12.2, y:889.1}</a:t>
+              <a:rPr lang="en-US" sz="2000" dirty="0" smtClean="0"/>
+              <a:t>{title: “Rogue One”, wg:155081681}</a:t>
             </a:r>
             <a:endParaRPr lang="en-US" sz="2000" dirty="0"/>
           </a:p>
@@ -15813,14 +16125,14 @@
       </p:sp>
       <p:sp>
         <p:nvSpPr>
-          <p:cNvPr id="15" name="TextBox 14"/>
+          <p:cNvPr id="30" name="TextBox 29"/>
           <p:cNvSpPr txBox="1"/>
           <p:nvPr/>
         </p:nvSpPr>
         <p:spPr>
           <a:xfrm>
             <a:off x="3563888" y="2060848"/>
-            <a:ext cx="4955203" cy="400110"/>
+            <a:ext cx="4647426" cy="400110"/>
           </a:xfrm>
           <a:prstGeom prst="rect">
             <a:avLst/>
@@ -15863,7 +16175,7 @@
           <a:p>
             <a:r>
               <a:rPr lang="en-US" sz="2000" dirty="0" smtClean="0"/>
-              <a:t>{name: “AUSW”, x: 112.2, y:9.3}</a:t>
+              <a:t>{title: “Moana”, wg:12762232}</a:t>
             </a:r>
             <a:endParaRPr lang="en-US" sz="2000" dirty="0"/>
           </a:p>
@@ -15871,14 +16183,14 @@
       </p:sp>
       <p:sp>
         <p:nvSpPr>
-          <p:cNvPr id="16" name="TextBox 15"/>
+          <p:cNvPr id="31" name="TextBox 30"/>
           <p:cNvSpPr txBox="1"/>
           <p:nvPr/>
         </p:nvSpPr>
         <p:spPr>
           <a:xfrm>
             <a:off x="3563888" y="2636912"/>
-            <a:ext cx="4647426" cy="400110"/>
+            <a:ext cx="4955203" cy="400110"/>
           </a:xfrm>
           <a:prstGeom prst="rect">
             <a:avLst/>
@@ -15921,213 +16233,15 @@
           <a:p>
             <a:r>
               <a:rPr lang="en-US" sz="2000" dirty="0" smtClean="0"/>
-              <a:t>{name</a:t>
-            </a:r>
-            <a:r>
-              <a:rPr lang="en-US" sz="2000" smtClean="0"/>
-              <a:t>: “BUHA”, </a:t>
+              <a:t>{title: “</a:t>
+            </a:r>
+            <a:r>
+              <a:rPr lang="en-US" sz="2000" dirty="0" err="1" smtClean="0"/>
+              <a:t>LaLaLand</a:t>
             </a:r>
             <a:r>
               <a:rPr lang="en-US" sz="2000" dirty="0" smtClean="0"/>
-              <a:t>x</a:t>
-            </a:r>
-            <a:r>
-              <a:rPr lang="en-US" sz="2000" smtClean="0"/>
-              <a:t>: 43, y:91.7}</a:t>
-            </a:r>
-            <a:endParaRPr lang="en-US" sz="2000" dirty="0"/>
-          </a:p>
-        </p:txBody>
-      </p:sp>
-      <p:sp>
-        <p:nvSpPr>
-          <p:cNvPr id="19" name="TextBox 18"/>
-          <p:cNvSpPr txBox="1"/>
-          <p:nvPr/>
-        </p:nvSpPr>
-        <p:spPr>
-          <a:xfrm>
-            <a:off x="1456576" y="842809"/>
-            <a:ext cx="1637436" cy="369332"/>
-          </a:xfrm>
-          <a:prstGeom prst="rect">
-            <a:avLst/>
-          </a:prstGeom>
-          <a:noFill/>
-        </p:spPr>
-        <p:txBody>
-          <a:bodyPr wrap="none" rtlCol="0">
-            <a:spAutoFit/>
-          </a:bodyPr>
-          <a:lstStyle/>
-          <a:p>
-            <a:r>
-              <a:rPr lang="en-US" dirty="0" smtClean="0"/>
-              <a:t>DOM-</a:t>
-            </a:r>
-            <a:r>
-              <a:rPr lang="en-US" dirty="0" err="1" smtClean="0"/>
-              <a:t>Elemente</a:t>
-            </a:r>
-            <a:endParaRPr lang="en-US" dirty="0"/>
-          </a:p>
-        </p:txBody>
-      </p:sp>
-      <p:sp>
-        <p:nvSpPr>
-          <p:cNvPr id="20" name="TextBox 19"/>
-          <p:cNvSpPr txBox="1"/>
-          <p:nvPr/>
-        </p:nvSpPr>
-        <p:spPr>
-          <a:xfrm>
-            <a:off x="5068883" y="842809"/>
-            <a:ext cx="1912383" cy="369332"/>
-          </a:xfrm>
-          <a:prstGeom prst="rect">
-            <a:avLst/>
-          </a:prstGeom>
-          <a:noFill/>
-        </p:spPr>
-        <p:txBody>
-          <a:bodyPr wrap="none" rtlCol="0">
-            <a:spAutoFit/>
-          </a:bodyPr>
-          <a:lstStyle/>
-          <a:p>
-            <a:r>
-              <a:rPr lang="en-US" dirty="0" smtClean="0"/>
-              <a:t>JavaScript-</a:t>
-            </a:r>
-            <a:r>
-              <a:rPr lang="en-US" dirty="0" err="1" smtClean="0"/>
-              <a:t>Objekte</a:t>
-            </a:r>
-            <a:endParaRPr lang="en-US" dirty="0"/>
-          </a:p>
-        </p:txBody>
-      </p:sp>
-      <p:sp>
-        <p:nvSpPr>
-          <p:cNvPr id="22" name="TextBox 21"/>
-          <p:cNvSpPr txBox="1"/>
-          <p:nvPr/>
-        </p:nvSpPr>
-        <p:spPr>
-          <a:xfrm>
-            <a:off x="1244531" y="3244914"/>
-            <a:ext cx="2031325" cy="400110"/>
-          </a:xfrm>
-          <a:prstGeom prst="rect">
-            <a:avLst/>
-          </a:prstGeom>
-          <a:solidFill>
-            <a:schemeClr val="bg2"/>
-          </a:solidFill>
-          <a:ln w="57150">
-            <a:solidFill>
-              <a:schemeClr val="bg1"/>
-            </a:solidFill>
-          </a:ln>
-          <a:effectLst>
-            <a:outerShdw blurRad="50800" dist="76200" dir="2700000" algn="tl" rotWithShape="0">
-              <a:prstClr val="black">
-                <a:alpha val="40000"/>
-              </a:prstClr>
-            </a:outerShdw>
-          </a:effectLst>
-        </p:spPr>
-        <p:txBody>
-          <a:bodyPr wrap="none" rtlCol="0">
-            <a:spAutoFit/>
-          </a:bodyPr>
-          <a:lstStyle>
-            <a:defPPr>
-              <a:defRPr lang="de-DE"/>
-            </a:defPPr>
-            <a:lvl1pPr>
-              <a:defRPr sz="1400" b="1">
-                <a:latin typeface="Courier New" charset="0"/>
-                <a:ea typeface="Courier New" charset="0"/>
-                <a:cs typeface="Courier New" charset="0"/>
-              </a:defRPr>
-            </a:lvl1pPr>
-          </a:lstStyle>
-          <a:p>
-            <a:r>
-              <a:rPr lang="en-US" sz="2000" dirty="0" smtClean="0"/>
-              <a:t>&lt;</a:t>
-            </a:r>
-            <a:r>
-              <a:rPr lang="en-US" sz="2000" dirty="0" err="1"/>
-              <a:t>svg:circle</a:t>
-            </a:r>
-            <a:r>
-              <a:rPr lang="en-US" sz="2000" dirty="0" smtClean="0"/>
-              <a:t>&gt;</a:t>
-            </a:r>
-            <a:endParaRPr lang="en-US" sz="2000" dirty="0"/>
-          </a:p>
-        </p:txBody>
-      </p:sp>
-      <p:sp>
-        <p:nvSpPr>
-          <p:cNvPr id="23" name="TextBox 22"/>
-          <p:cNvSpPr txBox="1"/>
-          <p:nvPr/>
-        </p:nvSpPr>
-        <p:spPr>
-          <a:xfrm>
-            <a:off x="1244531" y="3820978"/>
-            <a:ext cx="2031325" cy="400110"/>
-          </a:xfrm>
-          <a:prstGeom prst="rect">
-            <a:avLst/>
-          </a:prstGeom>
-          <a:solidFill>
-            <a:schemeClr val="bg2"/>
-          </a:solidFill>
-          <a:ln w="57150">
-            <a:solidFill>
-              <a:schemeClr val="bg1"/>
-            </a:solidFill>
-          </a:ln>
-          <a:effectLst>
-            <a:outerShdw blurRad="50800" dist="76200" dir="2700000" algn="tl" rotWithShape="0">
-              <a:prstClr val="black">
-                <a:alpha val="40000"/>
-              </a:prstClr>
-            </a:outerShdw>
-          </a:effectLst>
-        </p:spPr>
-        <p:txBody>
-          <a:bodyPr wrap="none" rtlCol="0">
-            <a:spAutoFit/>
-          </a:bodyPr>
-          <a:lstStyle>
-            <a:defPPr>
-              <a:defRPr lang="de-DE"/>
-            </a:defPPr>
-            <a:lvl1pPr>
-              <a:defRPr sz="1400" b="1">
-                <a:latin typeface="Courier New" charset="0"/>
-                <a:ea typeface="Courier New" charset="0"/>
-                <a:cs typeface="Courier New" charset="0"/>
-              </a:defRPr>
-            </a:lvl1pPr>
-          </a:lstStyle>
-          <a:p>
-            <a:r>
-              <a:rPr lang="en-US" sz="2000" dirty="0" smtClean="0"/>
-              <a:t>&lt;</a:t>
-            </a:r>
-            <a:r>
-              <a:rPr lang="en-US" sz="2000" dirty="0" err="1"/>
-              <a:t>svg:circle</a:t>
-            </a:r>
-            <a:r>
-              <a:rPr lang="en-US" sz="2000" dirty="0" smtClean="0"/>
-              <a:t>&gt;</a:t>
+              <a:t>”, wg:4102091}</a:t>
             </a:r>
             <a:endParaRPr lang="en-US" sz="2000" dirty="0"/>
           </a:p>
